--- a/Docs/placa de conexao/nova placa.pptx
+++ b/Docs/placa de conexao/nova placa.pptx
@@ -267,7 +267,7 @@
           <a:p>
             <a:fld id="{19B671A8-A013-4C85-95AD-EE59B459D0E1}" type="datetimeFigureOut">
               <a:rPr lang="pt-BR" smtClean="0"/>
-              <a:t>13/06/2018</a:t>
+              <a:t>18/07/2018</a:t>
             </a:fld>
             <a:endParaRPr lang="pt-BR"/>
           </a:p>
@@ -465,7 +465,7 @@
           <a:p>
             <a:fld id="{19B671A8-A013-4C85-95AD-EE59B459D0E1}" type="datetimeFigureOut">
               <a:rPr lang="pt-BR" smtClean="0"/>
-              <a:t>13/06/2018</a:t>
+              <a:t>18/07/2018</a:t>
             </a:fld>
             <a:endParaRPr lang="pt-BR"/>
           </a:p>
@@ -673,7 +673,7 @@
           <a:p>
             <a:fld id="{19B671A8-A013-4C85-95AD-EE59B459D0E1}" type="datetimeFigureOut">
               <a:rPr lang="pt-BR" smtClean="0"/>
-              <a:t>13/06/2018</a:t>
+              <a:t>18/07/2018</a:t>
             </a:fld>
             <a:endParaRPr lang="pt-BR"/>
           </a:p>
@@ -871,7 +871,7 @@
           <a:p>
             <a:fld id="{19B671A8-A013-4C85-95AD-EE59B459D0E1}" type="datetimeFigureOut">
               <a:rPr lang="pt-BR" smtClean="0"/>
-              <a:t>13/06/2018</a:t>
+              <a:t>18/07/2018</a:t>
             </a:fld>
             <a:endParaRPr lang="pt-BR"/>
           </a:p>
@@ -1146,7 +1146,7 @@
           <a:p>
             <a:fld id="{19B671A8-A013-4C85-95AD-EE59B459D0E1}" type="datetimeFigureOut">
               <a:rPr lang="pt-BR" smtClean="0"/>
-              <a:t>13/06/2018</a:t>
+              <a:t>18/07/2018</a:t>
             </a:fld>
             <a:endParaRPr lang="pt-BR"/>
           </a:p>
@@ -1411,7 +1411,7 @@
           <a:p>
             <a:fld id="{19B671A8-A013-4C85-95AD-EE59B459D0E1}" type="datetimeFigureOut">
               <a:rPr lang="pt-BR" smtClean="0"/>
-              <a:t>13/06/2018</a:t>
+              <a:t>18/07/2018</a:t>
             </a:fld>
             <a:endParaRPr lang="pt-BR"/>
           </a:p>
@@ -1823,7 +1823,7 @@
           <a:p>
             <a:fld id="{19B671A8-A013-4C85-95AD-EE59B459D0E1}" type="datetimeFigureOut">
               <a:rPr lang="pt-BR" smtClean="0"/>
-              <a:t>13/06/2018</a:t>
+              <a:t>18/07/2018</a:t>
             </a:fld>
             <a:endParaRPr lang="pt-BR"/>
           </a:p>
@@ -1964,7 +1964,7 @@
           <a:p>
             <a:fld id="{19B671A8-A013-4C85-95AD-EE59B459D0E1}" type="datetimeFigureOut">
               <a:rPr lang="pt-BR" smtClean="0"/>
-              <a:t>13/06/2018</a:t>
+              <a:t>18/07/2018</a:t>
             </a:fld>
             <a:endParaRPr lang="pt-BR"/>
           </a:p>
@@ -2077,7 +2077,7 @@
           <a:p>
             <a:fld id="{19B671A8-A013-4C85-95AD-EE59B459D0E1}" type="datetimeFigureOut">
               <a:rPr lang="pt-BR" smtClean="0"/>
-              <a:t>13/06/2018</a:t>
+              <a:t>18/07/2018</a:t>
             </a:fld>
             <a:endParaRPr lang="pt-BR"/>
           </a:p>
@@ -2388,7 +2388,7 @@
           <a:p>
             <a:fld id="{19B671A8-A013-4C85-95AD-EE59B459D0E1}" type="datetimeFigureOut">
               <a:rPr lang="pt-BR" smtClean="0"/>
-              <a:t>13/06/2018</a:t>
+              <a:t>18/07/2018</a:t>
             </a:fld>
             <a:endParaRPr lang="pt-BR"/>
           </a:p>
@@ -2676,7 +2676,7 @@
           <a:p>
             <a:fld id="{19B671A8-A013-4C85-95AD-EE59B459D0E1}" type="datetimeFigureOut">
               <a:rPr lang="pt-BR" smtClean="0"/>
-              <a:t>13/06/2018</a:t>
+              <a:t>18/07/2018</a:t>
             </a:fld>
             <a:endParaRPr lang="pt-BR"/>
           </a:p>
@@ -2917,7 +2917,7 @@
           <a:p>
             <a:fld id="{19B671A8-A013-4C85-95AD-EE59B459D0E1}" type="datetimeFigureOut">
               <a:rPr lang="pt-BR" smtClean="0"/>
-              <a:t>13/06/2018</a:t>
+              <a:t>18/07/2018</a:t>
             </a:fld>
             <a:endParaRPr lang="pt-BR"/>
           </a:p>
@@ -4030,7 +4030,7 @@
         </p:blipFill>
         <p:spPr>
           <a:xfrm>
-            <a:off x="239379" y="182064"/>
+            <a:off x="79942" y="29530"/>
             <a:ext cx="6988882" cy="1776249"/>
           </a:xfrm>
           <a:prstGeom prst="rect">
@@ -9959,7 +9959,7 @@
           </p:nvSpPr>
           <p:spPr>
             <a:xfrm rot="16200000">
-              <a:off x="5139369" y="4335018"/>
+              <a:off x="5563325" y="3803201"/>
               <a:ext cx="301686" cy="369332"/>
             </a:xfrm>
             <a:prstGeom prst="rect">
@@ -10209,6 +10209,280 @@
           </a:p>
         </p:txBody>
       </p:sp>
+      <p:sp>
+        <p:nvSpPr>
+          <p:cNvPr id="24" name="CaixaDeTexto 23">
+            <a:extLst>
+              <a:ext uri="{FF2B5EF4-FFF2-40B4-BE49-F238E27FC236}">
+                <a16:creationId xmlns:a16="http://schemas.microsoft.com/office/drawing/2014/main" id="{850ADE63-A2B9-4E8C-B70C-6FA9D06DFD60}"/>
+              </a:ext>
+            </a:extLst>
+          </p:cNvPr>
+          <p:cNvSpPr txBox="1"/>
+          <p:nvPr/>
+        </p:nvSpPr>
+        <p:spPr>
+          <a:xfrm rot="16200000">
+            <a:off x="2022738" y="3916338"/>
+            <a:ext cx="301686" cy="369332"/>
+          </a:xfrm>
+          <a:prstGeom prst="rect">
+            <a:avLst/>
+          </a:prstGeom>
+          <a:noFill/>
+        </p:spPr>
+        <p:txBody>
+          <a:bodyPr wrap="none" rtlCol="0">
+            <a:spAutoFit/>
+          </a:bodyPr>
+          <a:lstStyle/>
+          <a:p>
+            <a:r>
+              <a:rPr lang="pt-BR" dirty="0">
+                <a:solidFill>
+                  <a:srgbClr val="FFFF00"/>
+                </a:solidFill>
+              </a:rPr>
+              <a:t>1</a:t>
+            </a:r>
+          </a:p>
+        </p:txBody>
+      </p:sp>
+      <p:sp>
+        <p:nvSpPr>
+          <p:cNvPr id="25" name="CaixaDeTexto 24">
+            <a:extLst>
+              <a:ext uri="{FF2B5EF4-FFF2-40B4-BE49-F238E27FC236}">
+                <a16:creationId xmlns:a16="http://schemas.microsoft.com/office/drawing/2014/main" id="{0236120C-DFB7-4FF9-B625-5916A551F38E}"/>
+              </a:ext>
+            </a:extLst>
+          </p:cNvPr>
+          <p:cNvSpPr txBox="1"/>
+          <p:nvPr/>
+        </p:nvSpPr>
+        <p:spPr>
+          <a:xfrm rot="16200000">
+            <a:off x="1706672" y="2240482"/>
+            <a:ext cx="301686" cy="369332"/>
+          </a:xfrm>
+          <a:prstGeom prst="rect">
+            <a:avLst/>
+          </a:prstGeom>
+          <a:noFill/>
+        </p:spPr>
+        <p:txBody>
+          <a:bodyPr wrap="none" rtlCol="0">
+            <a:spAutoFit/>
+          </a:bodyPr>
+          <a:lstStyle/>
+          <a:p>
+            <a:r>
+              <a:rPr lang="pt-BR" dirty="0">
+                <a:solidFill>
+                  <a:srgbClr val="FF0000"/>
+                </a:solidFill>
+              </a:rPr>
+              <a:t>1</a:t>
+            </a:r>
+          </a:p>
+        </p:txBody>
+      </p:sp>
+      <p:sp>
+        <p:nvSpPr>
+          <p:cNvPr id="8" name="CaixaDeTexto 7">
+            <a:extLst>
+              <a:ext uri="{FF2B5EF4-FFF2-40B4-BE49-F238E27FC236}">
+                <a16:creationId xmlns:a16="http://schemas.microsoft.com/office/drawing/2014/main" id="{904A2DB3-021F-4B34-A0D8-7CEDF1D30F67}"/>
+              </a:ext>
+            </a:extLst>
+          </p:cNvPr>
+          <p:cNvSpPr txBox="1"/>
+          <p:nvPr/>
+        </p:nvSpPr>
+        <p:spPr>
+          <a:xfrm>
+            <a:off x="9924324" y="3216260"/>
+            <a:ext cx="1276311" cy="1754326"/>
+          </a:xfrm>
+          <a:prstGeom prst="rect">
+            <a:avLst/>
+          </a:prstGeom>
+          <a:noFill/>
+        </p:spPr>
+        <p:txBody>
+          <a:bodyPr wrap="none" rtlCol="0">
+            <a:spAutoFit/>
+          </a:bodyPr>
+          <a:lstStyle/>
+          <a:p>
+            <a:r>
+              <a:rPr lang="pt-BR" dirty="0"/>
+              <a:t>1 </a:t>
+            </a:r>
+            <a:r>
+              <a:rPr lang="pt-BR" dirty="0" err="1"/>
+              <a:t>gnd</a:t>
+            </a:r>
+            <a:r>
+              <a:rPr lang="pt-BR" dirty="0"/>
+              <a:t> -  </a:t>
+            </a:r>
+            <a:r>
+              <a:rPr lang="pt-BR" dirty="0" err="1"/>
+              <a:t>lj</a:t>
+            </a:r>
+            <a:endParaRPr lang="pt-BR" dirty="0"/>
+          </a:p>
+          <a:p>
+            <a:r>
+              <a:rPr lang="pt-BR" dirty="0"/>
+              <a:t>2 reset – az</a:t>
+            </a:r>
+          </a:p>
+          <a:p>
+            <a:r>
+              <a:rPr lang="pt-BR" dirty="0"/>
+              <a:t>3 </a:t>
+            </a:r>
+            <a:r>
+              <a:rPr lang="pt-BR" dirty="0" err="1"/>
+              <a:t>mosi</a:t>
+            </a:r>
+            <a:r>
+              <a:rPr lang="pt-BR" dirty="0"/>
+              <a:t> – </a:t>
+            </a:r>
+            <a:r>
+              <a:rPr lang="pt-BR" dirty="0" err="1"/>
+              <a:t>cz</a:t>
+            </a:r>
+            <a:endParaRPr lang="pt-BR" dirty="0"/>
+          </a:p>
+          <a:p>
+            <a:r>
+              <a:rPr lang="pt-BR" dirty="0"/>
+              <a:t>4 </a:t>
+            </a:r>
+            <a:r>
+              <a:rPr lang="pt-BR" dirty="0" err="1"/>
+              <a:t>sck</a:t>
+            </a:r>
+            <a:r>
+              <a:rPr lang="pt-BR" dirty="0"/>
+              <a:t> – roxo</a:t>
+            </a:r>
+          </a:p>
+          <a:p>
+            <a:r>
+              <a:rPr lang="pt-BR" dirty="0"/>
+              <a:t>5 </a:t>
+            </a:r>
+            <a:r>
+              <a:rPr lang="pt-BR" dirty="0" err="1"/>
+              <a:t>Vcc</a:t>
+            </a:r>
+            <a:r>
+              <a:rPr lang="pt-BR" dirty="0"/>
+              <a:t> – </a:t>
+            </a:r>
+            <a:r>
+              <a:rPr lang="pt-BR" dirty="0" err="1"/>
+              <a:t>bc</a:t>
+            </a:r>
+            <a:endParaRPr lang="pt-BR" dirty="0"/>
+          </a:p>
+          <a:p>
+            <a:r>
+              <a:rPr lang="pt-BR" dirty="0"/>
+              <a:t>6 </a:t>
+            </a:r>
+            <a:r>
+              <a:rPr lang="pt-BR" dirty="0" err="1"/>
+              <a:t>miso</a:t>
+            </a:r>
+            <a:r>
+              <a:rPr lang="pt-BR" dirty="0"/>
+              <a:t> - </a:t>
+            </a:r>
+            <a:r>
+              <a:rPr lang="pt-BR" dirty="0" err="1"/>
+              <a:t>vm</a:t>
+            </a:r>
+            <a:endParaRPr lang="pt-BR" dirty="0"/>
+          </a:p>
+        </p:txBody>
+      </p:sp>
+      <p:sp>
+        <p:nvSpPr>
+          <p:cNvPr id="27" name="CaixaDeTexto 26">
+            <a:extLst>
+              <a:ext uri="{FF2B5EF4-FFF2-40B4-BE49-F238E27FC236}">
+                <a16:creationId xmlns:a16="http://schemas.microsoft.com/office/drawing/2014/main" id="{22B6B564-684A-4C55-A47F-8524CE852163}"/>
+              </a:ext>
+            </a:extLst>
+          </p:cNvPr>
+          <p:cNvSpPr txBox="1"/>
+          <p:nvPr/>
+        </p:nvSpPr>
+        <p:spPr>
+          <a:xfrm rot="16200000">
+            <a:off x="1969029" y="4346169"/>
+            <a:ext cx="301686" cy="369332"/>
+          </a:xfrm>
+          <a:prstGeom prst="rect">
+            <a:avLst/>
+          </a:prstGeom>
+          <a:noFill/>
+        </p:spPr>
+        <p:txBody>
+          <a:bodyPr wrap="none" rtlCol="0">
+            <a:spAutoFit/>
+          </a:bodyPr>
+          <a:lstStyle/>
+          <a:p>
+            <a:r>
+              <a:rPr lang="pt-BR" dirty="0">
+                <a:solidFill>
+                  <a:srgbClr val="FFFF00"/>
+                </a:solidFill>
+              </a:rPr>
+              <a:t>2</a:t>
+            </a:r>
+          </a:p>
+        </p:txBody>
+      </p:sp>
+      <p:pic>
+        <p:nvPicPr>
+          <p:cNvPr id="28" name="Imagem 27">
+            <a:extLst>
+              <a:ext uri="{FF2B5EF4-FFF2-40B4-BE49-F238E27FC236}">
+                <a16:creationId xmlns:a16="http://schemas.microsoft.com/office/drawing/2014/main" id="{DD05BA28-008F-4ADD-A9BA-9ADAD121B4D0}"/>
+              </a:ext>
+            </a:extLst>
+          </p:cNvPr>
+          <p:cNvPicPr>
+            <a:picLocks noChangeAspect="1"/>
+          </p:cNvPicPr>
+          <p:nvPr/>
+        </p:nvPicPr>
+        <p:blipFill rotWithShape="1">
+          <a:blip r:embed="rId4"/>
+          <a:srcRect r="71502"/>
+          <a:stretch/>
+        </p:blipFill>
+        <p:spPr>
+          <a:xfrm>
+            <a:off x="9804919" y="1098979"/>
+            <a:ext cx="1910610" cy="1703971"/>
+          </a:xfrm>
+          <a:prstGeom prst="rect">
+            <a:avLst/>
+          </a:prstGeom>
+          <a:solidFill>
+            <a:srgbClr val="FFFF00"/>
+          </a:solidFill>
+        </p:spPr>
+      </p:pic>
     </p:spTree>
     <p:extLst>
       <p:ext uri="{BB962C8B-B14F-4D97-AF65-F5344CB8AC3E}">
@@ -16858,6 +17132,45 @@
             <a:r>
               <a:rPr lang="en-US" dirty="0"/>
               <a:t> 17) </a:t>
+            </a:r>
+          </a:p>
+        </p:txBody>
+      </p:sp>
+      <p:sp>
+        <p:nvSpPr>
+          <p:cNvPr id="2" name="CaixaDeTexto 1">
+            <a:extLst>
+              <a:ext uri="{FF2B5EF4-FFF2-40B4-BE49-F238E27FC236}">
+                <a16:creationId xmlns:a16="http://schemas.microsoft.com/office/drawing/2014/main" id="{F444D2D1-A9E0-4923-B69A-D2C1DBD2BA08}"/>
+              </a:ext>
+            </a:extLst>
+          </p:cNvPr>
+          <p:cNvSpPr txBox="1"/>
+          <p:nvPr/>
+        </p:nvSpPr>
+        <p:spPr>
+          <a:xfrm>
+            <a:off x="7169426" y="5341032"/>
+            <a:ext cx="3171509" cy="369332"/>
+          </a:xfrm>
+          <a:prstGeom prst="rect">
+            <a:avLst/>
+          </a:prstGeom>
+          <a:noFill/>
+        </p:spPr>
+        <p:txBody>
+          <a:bodyPr wrap="none" rtlCol="0">
+            <a:spAutoFit/>
+          </a:bodyPr>
+          <a:lstStyle/>
+          <a:p>
+            <a:r>
+              <a:rPr lang="pt-BR" dirty="0">
+                <a:solidFill>
+                  <a:srgbClr val="FF0000"/>
+                </a:solidFill>
+              </a:rPr>
+              <a:t>Dimensionamento dos fios ????</a:t>
             </a:r>
           </a:p>
         </p:txBody>

--- a/Docs/placa de conexao/nova placa.pptx
+++ b/Docs/placa de conexao/nova placa.pptx
@@ -267,7 +267,7 @@
           <a:p>
             <a:fld id="{19B671A8-A013-4C85-95AD-EE59B459D0E1}" type="datetimeFigureOut">
               <a:rPr lang="pt-BR" smtClean="0"/>
-              <a:t>18/07/2018</a:t>
+              <a:t>29/08/2018</a:t>
             </a:fld>
             <a:endParaRPr lang="pt-BR"/>
           </a:p>
@@ -465,7 +465,7 @@
           <a:p>
             <a:fld id="{19B671A8-A013-4C85-95AD-EE59B459D0E1}" type="datetimeFigureOut">
               <a:rPr lang="pt-BR" smtClean="0"/>
-              <a:t>18/07/2018</a:t>
+              <a:t>29/08/2018</a:t>
             </a:fld>
             <a:endParaRPr lang="pt-BR"/>
           </a:p>
@@ -673,7 +673,7 @@
           <a:p>
             <a:fld id="{19B671A8-A013-4C85-95AD-EE59B459D0E1}" type="datetimeFigureOut">
               <a:rPr lang="pt-BR" smtClean="0"/>
-              <a:t>18/07/2018</a:t>
+              <a:t>29/08/2018</a:t>
             </a:fld>
             <a:endParaRPr lang="pt-BR"/>
           </a:p>
@@ -871,7 +871,7 @@
           <a:p>
             <a:fld id="{19B671A8-A013-4C85-95AD-EE59B459D0E1}" type="datetimeFigureOut">
               <a:rPr lang="pt-BR" smtClean="0"/>
-              <a:t>18/07/2018</a:t>
+              <a:t>29/08/2018</a:t>
             </a:fld>
             <a:endParaRPr lang="pt-BR"/>
           </a:p>
@@ -1146,7 +1146,7 @@
           <a:p>
             <a:fld id="{19B671A8-A013-4C85-95AD-EE59B459D0E1}" type="datetimeFigureOut">
               <a:rPr lang="pt-BR" smtClean="0"/>
-              <a:t>18/07/2018</a:t>
+              <a:t>29/08/2018</a:t>
             </a:fld>
             <a:endParaRPr lang="pt-BR"/>
           </a:p>
@@ -1411,7 +1411,7 @@
           <a:p>
             <a:fld id="{19B671A8-A013-4C85-95AD-EE59B459D0E1}" type="datetimeFigureOut">
               <a:rPr lang="pt-BR" smtClean="0"/>
-              <a:t>18/07/2018</a:t>
+              <a:t>29/08/2018</a:t>
             </a:fld>
             <a:endParaRPr lang="pt-BR"/>
           </a:p>
@@ -1823,7 +1823,7 @@
           <a:p>
             <a:fld id="{19B671A8-A013-4C85-95AD-EE59B459D0E1}" type="datetimeFigureOut">
               <a:rPr lang="pt-BR" smtClean="0"/>
-              <a:t>18/07/2018</a:t>
+              <a:t>29/08/2018</a:t>
             </a:fld>
             <a:endParaRPr lang="pt-BR"/>
           </a:p>
@@ -1964,7 +1964,7 @@
           <a:p>
             <a:fld id="{19B671A8-A013-4C85-95AD-EE59B459D0E1}" type="datetimeFigureOut">
               <a:rPr lang="pt-BR" smtClean="0"/>
-              <a:t>18/07/2018</a:t>
+              <a:t>29/08/2018</a:t>
             </a:fld>
             <a:endParaRPr lang="pt-BR"/>
           </a:p>
@@ -2077,7 +2077,7 @@
           <a:p>
             <a:fld id="{19B671A8-A013-4C85-95AD-EE59B459D0E1}" type="datetimeFigureOut">
               <a:rPr lang="pt-BR" smtClean="0"/>
-              <a:t>18/07/2018</a:t>
+              <a:t>29/08/2018</a:t>
             </a:fld>
             <a:endParaRPr lang="pt-BR"/>
           </a:p>
@@ -2388,7 +2388,7 @@
           <a:p>
             <a:fld id="{19B671A8-A013-4C85-95AD-EE59B459D0E1}" type="datetimeFigureOut">
               <a:rPr lang="pt-BR" smtClean="0"/>
-              <a:t>18/07/2018</a:t>
+              <a:t>29/08/2018</a:t>
             </a:fld>
             <a:endParaRPr lang="pt-BR"/>
           </a:p>
@@ -2676,7 +2676,7 @@
           <a:p>
             <a:fld id="{19B671A8-A013-4C85-95AD-EE59B459D0E1}" type="datetimeFigureOut">
               <a:rPr lang="pt-BR" smtClean="0"/>
-              <a:t>18/07/2018</a:t>
+              <a:t>29/08/2018</a:t>
             </a:fld>
             <a:endParaRPr lang="pt-BR"/>
           </a:p>
@@ -2917,7 +2917,7 @@
           <a:p>
             <a:fld id="{19B671A8-A013-4C85-95AD-EE59B459D0E1}" type="datetimeFigureOut">
               <a:rPr lang="pt-BR" smtClean="0"/>
-              <a:t>18/07/2018</a:t>
+              <a:t>29/08/2018</a:t>
             </a:fld>
             <a:endParaRPr lang="pt-BR"/>
           </a:p>
@@ -3348,7 +3348,1920 @@
         </p:nvGrpSpPr>
         <p:grpSpPr>
           <a:xfrm>
-            <a:off x="2981741" y="346225"/>
+            <a:off x="2981741" y="346226"/>
+            <a:ext cx="8596304" cy="4318541"/>
+            <a:chOff x="2981741" y="346226"/>
+            <a:chExt cx="8596304" cy="4318541"/>
+          </a:xfrm>
+        </p:grpSpPr>
+        <p:pic>
+          <p:nvPicPr>
+            <p:cNvPr id="5" name="Imagem 4" descr="Uma imagem contendo circuito, equipamentos eletrônicos&#10;&#10;Descrição gerada com muito alta confiança">
+              <a:extLst>
+                <a:ext uri="{FF2B5EF4-FFF2-40B4-BE49-F238E27FC236}">
+                  <a16:creationId xmlns:a16="http://schemas.microsoft.com/office/drawing/2014/main" id="{7C3AA95A-A54C-40A2-83F4-E1618306F507}"/>
+                </a:ext>
+              </a:extLst>
+            </p:cNvPr>
+            <p:cNvPicPr>
+              <a:picLocks noChangeAspect="1"/>
+            </p:cNvPicPr>
+            <p:nvPr/>
+          </p:nvPicPr>
+          <p:blipFill>
+            <a:blip r:embed="rId2">
+              <a:extLst>
+                <a:ext uri="{28A0092B-C50C-407E-A947-70E740481C1C}">
+                  <a14:useLocalDpi xmlns:a14="http://schemas.microsoft.com/office/drawing/2010/main" val="0"/>
+                </a:ext>
+              </a:extLst>
+            </a:blip>
+            <a:stretch>
+              <a:fillRect/>
+            </a:stretch>
+          </p:blipFill>
+          <p:spPr>
+            <a:xfrm rot="10800000">
+              <a:off x="2981741" y="346226"/>
+              <a:ext cx="8596304" cy="4318541"/>
+            </a:xfrm>
+            <a:prstGeom prst="rect">
+              <a:avLst/>
+            </a:prstGeom>
+          </p:spPr>
+        </p:pic>
+        <p:sp>
+          <p:nvSpPr>
+            <p:cNvPr id="37" name="CaixaDeTexto 36">
+              <a:extLst>
+                <a:ext uri="{FF2B5EF4-FFF2-40B4-BE49-F238E27FC236}">
+                  <a16:creationId xmlns:a16="http://schemas.microsoft.com/office/drawing/2014/main" id="{8C69C8A8-E1F0-4CBF-8C55-F33A830941BD}"/>
+                </a:ext>
+              </a:extLst>
+            </p:cNvPr>
+            <p:cNvSpPr txBox="1"/>
+            <p:nvPr/>
+          </p:nvSpPr>
+          <p:spPr>
+            <a:xfrm rot="5400000">
+              <a:off x="9118800" y="3865302"/>
+              <a:ext cx="562783" cy="369332"/>
+            </a:xfrm>
+            <a:prstGeom prst="rect">
+              <a:avLst/>
+            </a:prstGeom>
+            <a:noFill/>
+          </p:spPr>
+          <p:txBody>
+            <a:bodyPr wrap="none" rtlCol="0">
+              <a:spAutoFit/>
+            </a:bodyPr>
+            <a:lstStyle/>
+            <a:p>
+              <a:r>
+                <a:rPr lang="pt-BR" dirty="0">
+                  <a:solidFill>
+                    <a:schemeClr val="bg1"/>
+                  </a:solidFill>
+                </a:rPr>
+                <a:t>SDA</a:t>
+              </a:r>
+            </a:p>
+          </p:txBody>
+        </p:sp>
+        <p:sp>
+          <p:nvSpPr>
+            <p:cNvPr id="38" name="CaixaDeTexto 37">
+              <a:extLst>
+                <a:ext uri="{FF2B5EF4-FFF2-40B4-BE49-F238E27FC236}">
+                  <a16:creationId xmlns:a16="http://schemas.microsoft.com/office/drawing/2014/main" id="{EBAE60A6-E78B-4A94-BDF6-C7F23080BE0E}"/>
+                </a:ext>
+              </a:extLst>
+            </p:cNvPr>
+            <p:cNvSpPr txBox="1"/>
+            <p:nvPr/>
+          </p:nvSpPr>
+          <p:spPr>
+            <a:xfrm rot="5400000">
+              <a:off x="9416293" y="3858727"/>
+              <a:ext cx="511679" cy="369332"/>
+            </a:xfrm>
+            <a:prstGeom prst="rect">
+              <a:avLst/>
+            </a:prstGeom>
+            <a:noFill/>
+          </p:spPr>
+          <p:txBody>
+            <a:bodyPr wrap="none" rtlCol="0">
+              <a:spAutoFit/>
+            </a:bodyPr>
+            <a:lstStyle/>
+            <a:p>
+              <a:r>
+                <a:rPr lang="pt-BR" dirty="0">
+                  <a:solidFill>
+                    <a:schemeClr val="bg1"/>
+                  </a:solidFill>
+                </a:rPr>
+                <a:t>SCL</a:t>
+              </a:r>
+            </a:p>
+          </p:txBody>
+        </p:sp>
+      </p:grpSp>
+      <p:sp>
+        <p:nvSpPr>
+          <p:cNvPr id="8" name="Retângulo 7">
+            <a:extLst>
+              <a:ext uri="{FF2B5EF4-FFF2-40B4-BE49-F238E27FC236}">
+                <a16:creationId xmlns:a16="http://schemas.microsoft.com/office/drawing/2014/main" id="{96FF7C17-4564-449C-8000-88C0123B77C3}"/>
+              </a:ext>
+            </a:extLst>
+          </p:cNvPr>
+          <p:cNvSpPr/>
+          <p:nvPr/>
+        </p:nvSpPr>
+        <p:spPr>
+          <a:xfrm>
+            <a:off x="3184635" y="5208869"/>
+            <a:ext cx="8268826" cy="335879"/>
+          </a:xfrm>
+          <a:prstGeom prst="rect">
+            <a:avLst/>
+          </a:prstGeom>
+          <a:solidFill>
+            <a:schemeClr val="accent2"/>
+          </a:solidFill>
+        </p:spPr>
+        <p:style>
+          <a:lnRef idx="2">
+            <a:schemeClr val="accent1">
+              <a:shade val="50000"/>
+            </a:schemeClr>
+          </a:lnRef>
+          <a:fillRef idx="1">
+            <a:schemeClr val="accent1"/>
+          </a:fillRef>
+          <a:effectRef idx="0">
+            <a:schemeClr val="accent1"/>
+          </a:effectRef>
+          <a:fontRef idx="minor">
+            <a:schemeClr val="lt1"/>
+          </a:fontRef>
+        </p:style>
+        <p:txBody>
+          <a:bodyPr rtlCol="0" anchor="ctr"/>
+          <a:lstStyle/>
+          <a:p>
+            <a:pPr algn="ctr"/>
+            <a:r>
+              <a:rPr lang="pt-BR" dirty="0"/>
+              <a:t>Cabo tela</a:t>
+            </a:r>
+          </a:p>
+        </p:txBody>
+      </p:sp>
+      <p:cxnSp>
+        <p:nvCxnSpPr>
+          <p:cNvPr id="11" name="Conector reto 10">
+            <a:extLst>
+              <a:ext uri="{FF2B5EF4-FFF2-40B4-BE49-F238E27FC236}">
+                <a16:creationId xmlns:a16="http://schemas.microsoft.com/office/drawing/2014/main" id="{025972A1-0390-4201-ABE9-FA5BE513304A}"/>
+              </a:ext>
+            </a:extLst>
+          </p:cNvPr>
+          <p:cNvCxnSpPr>
+            <a:cxnSpLocks/>
+          </p:cNvCxnSpPr>
+          <p:nvPr/>
+        </p:nvCxnSpPr>
+        <p:spPr>
+          <a:xfrm>
+            <a:off x="6692348" y="4386470"/>
+            <a:ext cx="1053776" cy="984800"/>
+          </a:xfrm>
+          <a:prstGeom prst="line">
+            <a:avLst/>
+          </a:prstGeom>
+        </p:spPr>
+        <p:style>
+          <a:lnRef idx="1">
+            <a:schemeClr val="accent1"/>
+          </a:lnRef>
+          <a:fillRef idx="0">
+            <a:schemeClr val="accent1"/>
+          </a:fillRef>
+          <a:effectRef idx="0">
+            <a:schemeClr val="accent1"/>
+          </a:effectRef>
+          <a:fontRef idx="minor">
+            <a:schemeClr val="tx1"/>
+          </a:fontRef>
+        </p:style>
+      </p:cxnSp>
+      <p:cxnSp>
+        <p:nvCxnSpPr>
+          <p:cNvPr id="25" name="Conector reto 24">
+            <a:extLst>
+              <a:ext uri="{FF2B5EF4-FFF2-40B4-BE49-F238E27FC236}">
+                <a16:creationId xmlns:a16="http://schemas.microsoft.com/office/drawing/2014/main" id="{2CA54909-F041-40A0-B776-FCD369A1C258}"/>
+              </a:ext>
+            </a:extLst>
+          </p:cNvPr>
+          <p:cNvCxnSpPr>
+            <a:cxnSpLocks/>
+          </p:cNvCxnSpPr>
+          <p:nvPr/>
+        </p:nvCxnSpPr>
+        <p:spPr>
+          <a:xfrm>
+            <a:off x="6927533" y="4386470"/>
+            <a:ext cx="1006541" cy="967408"/>
+          </a:xfrm>
+          <a:prstGeom prst="line">
+            <a:avLst/>
+          </a:prstGeom>
+        </p:spPr>
+        <p:style>
+          <a:lnRef idx="1">
+            <a:schemeClr val="accent1"/>
+          </a:lnRef>
+          <a:fillRef idx="0">
+            <a:schemeClr val="accent1"/>
+          </a:fillRef>
+          <a:effectRef idx="0">
+            <a:schemeClr val="accent1"/>
+          </a:effectRef>
+          <a:fontRef idx="minor">
+            <a:schemeClr val="tx1"/>
+          </a:fontRef>
+        </p:style>
+      </p:cxnSp>
+      <p:cxnSp>
+        <p:nvCxnSpPr>
+          <p:cNvPr id="27" name="Conector reto 26">
+            <a:extLst>
+              <a:ext uri="{FF2B5EF4-FFF2-40B4-BE49-F238E27FC236}">
+                <a16:creationId xmlns:a16="http://schemas.microsoft.com/office/drawing/2014/main" id="{54B7D0D3-BCC1-4D14-947F-7B3E3B11D54A}"/>
+              </a:ext>
+            </a:extLst>
+          </p:cNvPr>
+          <p:cNvCxnSpPr>
+            <a:cxnSpLocks/>
+          </p:cNvCxnSpPr>
+          <p:nvPr/>
+        </p:nvCxnSpPr>
+        <p:spPr>
+          <a:xfrm>
+            <a:off x="7109792" y="4386470"/>
+            <a:ext cx="1041747" cy="967408"/>
+          </a:xfrm>
+          <a:prstGeom prst="line">
+            <a:avLst/>
+          </a:prstGeom>
+        </p:spPr>
+        <p:style>
+          <a:lnRef idx="1">
+            <a:schemeClr val="accent1"/>
+          </a:lnRef>
+          <a:fillRef idx="0">
+            <a:schemeClr val="accent1"/>
+          </a:fillRef>
+          <a:effectRef idx="0">
+            <a:schemeClr val="accent1"/>
+          </a:effectRef>
+          <a:fontRef idx="minor">
+            <a:schemeClr val="tx1"/>
+          </a:fontRef>
+        </p:style>
+      </p:cxnSp>
+      <p:cxnSp>
+        <p:nvCxnSpPr>
+          <p:cNvPr id="28" name="Conector reto 27">
+            <a:extLst>
+              <a:ext uri="{FF2B5EF4-FFF2-40B4-BE49-F238E27FC236}">
+                <a16:creationId xmlns:a16="http://schemas.microsoft.com/office/drawing/2014/main" id="{1982EE08-4FAE-4E3C-936C-DBBB23D71F79}"/>
+              </a:ext>
+            </a:extLst>
+          </p:cNvPr>
+          <p:cNvCxnSpPr>
+            <a:cxnSpLocks/>
+          </p:cNvCxnSpPr>
+          <p:nvPr/>
+        </p:nvCxnSpPr>
+        <p:spPr>
+          <a:xfrm>
+            <a:off x="7298315" y="4386470"/>
+            <a:ext cx="1088940" cy="967408"/>
+          </a:xfrm>
+          <a:prstGeom prst="line">
+            <a:avLst/>
+          </a:prstGeom>
+        </p:spPr>
+        <p:style>
+          <a:lnRef idx="1">
+            <a:schemeClr val="accent1"/>
+          </a:lnRef>
+          <a:fillRef idx="0">
+            <a:schemeClr val="accent1"/>
+          </a:fillRef>
+          <a:effectRef idx="0">
+            <a:schemeClr val="accent1"/>
+          </a:effectRef>
+          <a:fontRef idx="minor">
+            <a:schemeClr val="tx1"/>
+          </a:fontRef>
+        </p:style>
+      </p:cxnSp>
+      <p:cxnSp>
+        <p:nvCxnSpPr>
+          <p:cNvPr id="29" name="Conector reto 28">
+            <a:extLst>
+              <a:ext uri="{FF2B5EF4-FFF2-40B4-BE49-F238E27FC236}">
+                <a16:creationId xmlns:a16="http://schemas.microsoft.com/office/drawing/2014/main" id="{FE8EF3B2-1693-4CBD-AB85-64F85CC434B5}"/>
+              </a:ext>
+            </a:extLst>
+          </p:cNvPr>
+          <p:cNvCxnSpPr>
+            <a:cxnSpLocks/>
+          </p:cNvCxnSpPr>
+          <p:nvPr/>
+        </p:nvCxnSpPr>
+        <p:spPr>
+          <a:xfrm>
+            <a:off x="7480852" y="4386470"/>
+            <a:ext cx="1058786" cy="967408"/>
+          </a:xfrm>
+          <a:prstGeom prst="line">
+            <a:avLst/>
+          </a:prstGeom>
+        </p:spPr>
+        <p:style>
+          <a:lnRef idx="1">
+            <a:schemeClr val="accent1"/>
+          </a:lnRef>
+          <a:fillRef idx="0">
+            <a:schemeClr val="accent1"/>
+          </a:fillRef>
+          <a:effectRef idx="0">
+            <a:schemeClr val="accent1"/>
+          </a:effectRef>
+          <a:fontRef idx="minor">
+            <a:schemeClr val="tx1"/>
+          </a:fontRef>
+        </p:style>
+      </p:cxnSp>
+      <p:cxnSp>
+        <p:nvCxnSpPr>
+          <p:cNvPr id="18" name="Conector reto 17">
+            <a:extLst>
+              <a:ext uri="{FF2B5EF4-FFF2-40B4-BE49-F238E27FC236}">
+                <a16:creationId xmlns:a16="http://schemas.microsoft.com/office/drawing/2014/main" id="{7EDBFD5D-CCBD-44AF-85F9-56A1CCCA571A}"/>
+              </a:ext>
+            </a:extLst>
+          </p:cNvPr>
+          <p:cNvCxnSpPr>
+            <a:cxnSpLocks/>
+          </p:cNvCxnSpPr>
+          <p:nvPr/>
+        </p:nvCxnSpPr>
+        <p:spPr>
+          <a:xfrm>
+            <a:off x="8351419" y="5427844"/>
+            <a:ext cx="204475" cy="616819"/>
+          </a:xfrm>
+          <a:prstGeom prst="line">
+            <a:avLst/>
+          </a:prstGeom>
+          <a:ln w="76200"/>
+        </p:spPr>
+        <p:style>
+          <a:lnRef idx="1">
+            <a:schemeClr val="accent1"/>
+          </a:lnRef>
+          <a:fillRef idx="0">
+            <a:schemeClr val="accent1"/>
+          </a:fillRef>
+          <a:effectRef idx="0">
+            <a:schemeClr val="accent1"/>
+          </a:effectRef>
+          <a:fontRef idx="minor">
+            <a:schemeClr val="tx1"/>
+          </a:fontRef>
+        </p:style>
+      </p:cxnSp>
+      <p:sp>
+        <p:nvSpPr>
+          <p:cNvPr id="31" name="CaixaDeTexto 30">
+            <a:extLst>
+              <a:ext uri="{FF2B5EF4-FFF2-40B4-BE49-F238E27FC236}">
+                <a16:creationId xmlns:a16="http://schemas.microsoft.com/office/drawing/2014/main" id="{D970C2D8-53AB-4EBF-9402-EFD86A799F34}"/>
+              </a:ext>
+            </a:extLst>
+          </p:cNvPr>
+          <p:cNvSpPr txBox="1"/>
+          <p:nvPr/>
+        </p:nvSpPr>
+        <p:spPr>
+          <a:xfrm>
+            <a:off x="7957034" y="6169648"/>
+            <a:ext cx="1242648" cy="369332"/>
+          </a:xfrm>
+          <a:prstGeom prst="rect">
+            <a:avLst/>
+          </a:prstGeom>
+          <a:noFill/>
+        </p:spPr>
+        <p:txBody>
+          <a:bodyPr wrap="none" rtlCol="0">
+            <a:spAutoFit/>
+          </a:bodyPr>
+          <a:lstStyle/>
+          <a:p>
+            <a:r>
+              <a:rPr lang="pt-BR" dirty="0"/>
+              <a:t>JP7 – 5 vias</a:t>
+            </a:r>
+          </a:p>
+        </p:txBody>
+      </p:sp>
+      <p:cxnSp>
+        <p:nvCxnSpPr>
+          <p:cNvPr id="33" name="Conector reto 32">
+            <a:extLst>
+              <a:ext uri="{FF2B5EF4-FFF2-40B4-BE49-F238E27FC236}">
+                <a16:creationId xmlns:a16="http://schemas.microsoft.com/office/drawing/2014/main" id="{B703532A-BB00-44B9-9437-991112642027}"/>
+              </a:ext>
+            </a:extLst>
+          </p:cNvPr>
+          <p:cNvCxnSpPr>
+            <a:cxnSpLocks/>
+          </p:cNvCxnSpPr>
+          <p:nvPr/>
+        </p:nvCxnSpPr>
+        <p:spPr>
+          <a:xfrm>
+            <a:off x="7845287" y="4386470"/>
+            <a:ext cx="2318216" cy="1032766"/>
+          </a:xfrm>
+          <a:prstGeom prst="line">
+            <a:avLst/>
+          </a:prstGeom>
+          <a:ln>
+            <a:solidFill>
+              <a:srgbClr val="FF0000"/>
+            </a:solidFill>
+          </a:ln>
+        </p:spPr>
+        <p:style>
+          <a:lnRef idx="1">
+            <a:schemeClr val="accent1"/>
+          </a:lnRef>
+          <a:fillRef idx="0">
+            <a:schemeClr val="accent1"/>
+          </a:fillRef>
+          <a:effectRef idx="0">
+            <a:schemeClr val="accent1"/>
+          </a:effectRef>
+          <a:fontRef idx="minor">
+            <a:schemeClr val="tx1"/>
+          </a:fontRef>
+        </p:style>
+      </p:cxnSp>
+      <p:cxnSp>
+        <p:nvCxnSpPr>
+          <p:cNvPr id="34" name="Conector reto 33">
+            <a:extLst>
+              <a:ext uri="{FF2B5EF4-FFF2-40B4-BE49-F238E27FC236}">
+                <a16:creationId xmlns:a16="http://schemas.microsoft.com/office/drawing/2014/main" id="{63370F7F-59AD-43D0-A3F0-CF2DABA9E640}"/>
+              </a:ext>
+            </a:extLst>
+          </p:cNvPr>
+          <p:cNvCxnSpPr>
+            <a:cxnSpLocks/>
+          </p:cNvCxnSpPr>
+          <p:nvPr/>
+        </p:nvCxnSpPr>
+        <p:spPr>
+          <a:xfrm>
+            <a:off x="8037443" y="4393098"/>
+            <a:ext cx="2430187" cy="1026138"/>
+          </a:xfrm>
+          <a:prstGeom prst="line">
+            <a:avLst/>
+          </a:prstGeom>
+          <a:ln>
+            <a:solidFill>
+              <a:srgbClr val="FF0000"/>
+            </a:solidFill>
+          </a:ln>
+        </p:spPr>
+        <p:style>
+          <a:lnRef idx="1">
+            <a:schemeClr val="accent1"/>
+          </a:lnRef>
+          <a:fillRef idx="0">
+            <a:schemeClr val="accent1"/>
+          </a:fillRef>
+          <a:effectRef idx="0">
+            <a:schemeClr val="accent1"/>
+          </a:effectRef>
+          <a:fontRef idx="minor">
+            <a:schemeClr val="tx1"/>
+          </a:fontRef>
+        </p:style>
+      </p:cxnSp>
+      <p:cxnSp>
+        <p:nvCxnSpPr>
+          <p:cNvPr id="35" name="Conector reto 34">
+            <a:extLst>
+              <a:ext uri="{FF2B5EF4-FFF2-40B4-BE49-F238E27FC236}">
+                <a16:creationId xmlns:a16="http://schemas.microsoft.com/office/drawing/2014/main" id="{018663D1-F387-4774-977D-96D59BA7B9DF}"/>
+              </a:ext>
+            </a:extLst>
+          </p:cNvPr>
+          <p:cNvCxnSpPr>
+            <a:cxnSpLocks/>
+          </p:cNvCxnSpPr>
+          <p:nvPr/>
+        </p:nvCxnSpPr>
+        <p:spPr>
+          <a:xfrm>
+            <a:off x="8236226" y="4393098"/>
+            <a:ext cx="2368712" cy="978172"/>
+          </a:xfrm>
+          <a:prstGeom prst="line">
+            <a:avLst/>
+          </a:prstGeom>
+          <a:ln>
+            <a:solidFill>
+              <a:srgbClr val="FF0000"/>
+            </a:solidFill>
+          </a:ln>
+        </p:spPr>
+        <p:style>
+          <a:lnRef idx="1">
+            <a:schemeClr val="accent1"/>
+          </a:lnRef>
+          <a:fillRef idx="0">
+            <a:schemeClr val="accent1"/>
+          </a:fillRef>
+          <a:effectRef idx="0">
+            <a:schemeClr val="accent1"/>
+          </a:effectRef>
+          <a:fontRef idx="minor">
+            <a:schemeClr val="tx1"/>
+          </a:fontRef>
+        </p:style>
+      </p:cxnSp>
+      <p:cxnSp>
+        <p:nvCxnSpPr>
+          <p:cNvPr id="36" name="Conector reto 35">
+            <a:extLst>
+              <a:ext uri="{FF2B5EF4-FFF2-40B4-BE49-F238E27FC236}">
+                <a16:creationId xmlns:a16="http://schemas.microsoft.com/office/drawing/2014/main" id="{2F9F354A-6FB6-4908-BE3E-FB62C0B3A441}"/>
+              </a:ext>
+            </a:extLst>
+          </p:cNvPr>
+          <p:cNvCxnSpPr>
+            <a:cxnSpLocks/>
+          </p:cNvCxnSpPr>
+          <p:nvPr/>
+        </p:nvCxnSpPr>
+        <p:spPr>
+          <a:xfrm>
+            <a:off x="9030248" y="4468269"/>
+            <a:ext cx="1932042" cy="925665"/>
+          </a:xfrm>
+          <a:prstGeom prst="line">
+            <a:avLst/>
+          </a:prstGeom>
+          <a:ln>
+            <a:solidFill>
+              <a:srgbClr val="FF0000"/>
+            </a:solidFill>
+          </a:ln>
+        </p:spPr>
+        <p:style>
+          <a:lnRef idx="1">
+            <a:schemeClr val="accent1"/>
+          </a:lnRef>
+          <a:fillRef idx="0">
+            <a:schemeClr val="accent1"/>
+          </a:fillRef>
+          <a:effectRef idx="0">
+            <a:schemeClr val="accent1"/>
+          </a:effectRef>
+          <a:fontRef idx="minor">
+            <a:schemeClr val="tx1"/>
+          </a:fontRef>
+        </p:style>
+      </p:cxnSp>
+      <p:pic>
+        <p:nvPicPr>
+          <p:cNvPr id="24" name="Imagem 23">
+            <a:extLst>
+              <a:ext uri="{FF2B5EF4-FFF2-40B4-BE49-F238E27FC236}">
+                <a16:creationId xmlns:a16="http://schemas.microsoft.com/office/drawing/2014/main" id="{EA83EFE6-15CB-47B3-8683-AC73B7A80818}"/>
+              </a:ext>
+            </a:extLst>
+          </p:cNvPr>
+          <p:cNvPicPr>
+            <a:picLocks noChangeAspect="1"/>
+          </p:cNvPicPr>
+          <p:nvPr/>
+        </p:nvPicPr>
+        <p:blipFill>
+          <a:blip r:embed="rId3"/>
+          <a:stretch>
+            <a:fillRect/>
+          </a:stretch>
+        </p:blipFill>
+        <p:spPr>
+          <a:xfrm>
+            <a:off x="79942" y="29530"/>
+            <a:ext cx="6988882" cy="1776249"/>
+          </a:xfrm>
+          <a:prstGeom prst="rect">
+            <a:avLst/>
+          </a:prstGeom>
+          <a:solidFill>
+            <a:srgbClr val="FFFF00"/>
+          </a:solidFill>
+        </p:spPr>
+      </p:pic>
+      <p:cxnSp>
+        <p:nvCxnSpPr>
+          <p:cNvPr id="42" name="Conector reto 41">
+            <a:extLst>
+              <a:ext uri="{FF2B5EF4-FFF2-40B4-BE49-F238E27FC236}">
+                <a16:creationId xmlns:a16="http://schemas.microsoft.com/office/drawing/2014/main" id="{D3C07783-2874-43D6-84DD-C72207951D4E}"/>
+              </a:ext>
+            </a:extLst>
+          </p:cNvPr>
+          <p:cNvCxnSpPr>
+            <a:cxnSpLocks/>
+          </p:cNvCxnSpPr>
+          <p:nvPr/>
+        </p:nvCxnSpPr>
+        <p:spPr>
+          <a:xfrm>
+            <a:off x="9442203" y="4401670"/>
+            <a:ext cx="1745544" cy="1017566"/>
+          </a:xfrm>
+          <a:prstGeom prst="line">
+            <a:avLst/>
+          </a:prstGeom>
+          <a:ln>
+            <a:solidFill>
+              <a:srgbClr val="FF0000"/>
+            </a:solidFill>
+          </a:ln>
+        </p:spPr>
+        <p:style>
+          <a:lnRef idx="1">
+            <a:schemeClr val="accent1"/>
+          </a:lnRef>
+          <a:fillRef idx="0">
+            <a:schemeClr val="accent1"/>
+          </a:fillRef>
+          <a:effectRef idx="0">
+            <a:schemeClr val="accent1"/>
+          </a:effectRef>
+          <a:fontRef idx="minor">
+            <a:schemeClr val="tx1"/>
+          </a:fontRef>
+        </p:style>
+      </p:cxnSp>
+      <p:cxnSp>
+        <p:nvCxnSpPr>
+          <p:cNvPr id="45" name="Conector reto 44">
+            <a:extLst>
+              <a:ext uri="{FF2B5EF4-FFF2-40B4-BE49-F238E27FC236}">
+                <a16:creationId xmlns:a16="http://schemas.microsoft.com/office/drawing/2014/main" id="{1E6CB082-CC50-4D0E-988C-CEDA206E7133}"/>
+              </a:ext>
+            </a:extLst>
+          </p:cNvPr>
+          <p:cNvCxnSpPr>
+            <a:cxnSpLocks/>
+          </p:cNvCxnSpPr>
+          <p:nvPr/>
+        </p:nvCxnSpPr>
+        <p:spPr>
+          <a:xfrm>
+            <a:off x="9650806" y="4399792"/>
+            <a:ext cx="1633649" cy="986587"/>
+          </a:xfrm>
+          <a:prstGeom prst="line">
+            <a:avLst/>
+          </a:prstGeom>
+          <a:ln>
+            <a:solidFill>
+              <a:srgbClr val="FF0000"/>
+            </a:solidFill>
+          </a:ln>
+        </p:spPr>
+        <p:style>
+          <a:lnRef idx="1">
+            <a:schemeClr val="accent1"/>
+          </a:lnRef>
+          <a:fillRef idx="0">
+            <a:schemeClr val="accent1"/>
+          </a:fillRef>
+          <a:effectRef idx="0">
+            <a:schemeClr val="accent1"/>
+          </a:effectRef>
+          <a:fontRef idx="minor">
+            <a:schemeClr val="tx1"/>
+          </a:fontRef>
+        </p:style>
+      </p:cxnSp>
+      <p:cxnSp>
+        <p:nvCxnSpPr>
+          <p:cNvPr id="47" name="Conector reto 46">
+            <a:extLst>
+              <a:ext uri="{FF2B5EF4-FFF2-40B4-BE49-F238E27FC236}">
+                <a16:creationId xmlns:a16="http://schemas.microsoft.com/office/drawing/2014/main" id="{98DB2744-FBFA-4D6C-8A39-072BEC3B9D15}"/>
+              </a:ext>
+            </a:extLst>
+          </p:cNvPr>
+          <p:cNvCxnSpPr>
+            <a:cxnSpLocks/>
+          </p:cNvCxnSpPr>
+          <p:nvPr/>
+        </p:nvCxnSpPr>
+        <p:spPr>
+          <a:xfrm flipH="1">
+            <a:off x="10604938" y="5520200"/>
+            <a:ext cx="284562" cy="835671"/>
+          </a:xfrm>
+          <a:prstGeom prst="line">
+            <a:avLst/>
+          </a:prstGeom>
+          <a:ln w="76200">
+            <a:solidFill>
+              <a:srgbClr val="FF0000"/>
+            </a:solidFill>
+          </a:ln>
+        </p:spPr>
+        <p:style>
+          <a:lnRef idx="1">
+            <a:schemeClr val="accent1"/>
+          </a:lnRef>
+          <a:fillRef idx="0">
+            <a:schemeClr val="accent1"/>
+          </a:fillRef>
+          <a:effectRef idx="0">
+            <a:schemeClr val="accent1"/>
+          </a:effectRef>
+          <a:fontRef idx="minor">
+            <a:schemeClr val="tx1"/>
+          </a:fontRef>
+        </p:style>
+      </p:cxnSp>
+      <p:sp>
+        <p:nvSpPr>
+          <p:cNvPr id="48" name="CaixaDeTexto 47">
+            <a:extLst>
+              <a:ext uri="{FF2B5EF4-FFF2-40B4-BE49-F238E27FC236}">
+                <a16:creationId xmlns:a16="http://schemas.microsoft.com/office/drawing/2014/main" id="{269269A4-F6C1-4845-AF09-1EC427B33C26}"/>
+              </a:ext>
+            </a:extLst>
+          </p:cNvPr>
+          <p:cNvSpPr txBox="1"/>
+          <p:nvPr/>
+        </p:nvSpPr>
+        <p:spPr>
+          <a:xfrm>
+            <a:off x="9867563" y="6358603"/>
+            <a:ext cx="1242648" cy="369332"/>
+          </a:xfrm>
+          <a:prstGeom prst="rect">
+            <a:avLst/>
+          </a:prstGeom>
+          <a:noFill/>
+        </p:spPr>
+        <p:txBody>
+          <a:bodyPr wrap="none" rtlCol="0">
+            <a:spAutoFit/>
+          </a:bodyPr>
+          <a:lstStyle/>
+          <a:p>
+            <a:r>
+              <a:rPr lang="pt-BR" dirty="0"/>
+              <a:t>JP8 – 6 vias</a:t>
+            </a:r>
+          </a:p>
+        </p:txBody>
+      </p:sp>
+      <p:cxnSp>
+        <p:nvCxnSpPr>
+          <p:cNvPr id="53" name="Conector reto 52">
+            <a:extLst>
+              <a:ext uri="{FF2B5EF4-FFF2-40B4-BE49-F238E27FC236}">
+                <a16:creationId xmlns:a16="http://schemas.microsoft.com/office/drawing/2014/main" id="{F964DCCE-647F-4708-9E53-E9E722620A0D}"/>
+              </a:ext>
+            </a:extLst>
+          </p:cNvPr>
+          <p:cNvCxnSpPr>
+            <a:cxnSpLocks/>
+          </p:cNvCxnSpPr>
+          <p:nvPr/>
+        </p:nvCxnSpPr>
+        <p:spPr>
+          <a:xfrm flipV="1">
+            <a:off x="3889375" y="693683"/>
+            <a:ext cx="3856749" cy="4700250"/>
+          </a:xfrm>
+          <a:prstGeom prst="line">
+            <a:avLst/>
+          </a:prstGeom>
+          <a:ln>
+            <a:solidFill>
+              <a:srgbClr val="FFC000"/>
+            </a:solidFill>
+          </a:ln>
+        </p:spPr>
+        <p:style>
+          <a:lnRef idx="1">
+            <a:schemeClr val="accent1"/>
+          </a:lnRef>
+          <a:fillRef idx="0">
+            <a:schemeClr val="accent1"/>
+          </a:fillRef>
+          <a:effectRef idx="0">
+            <a:schemeClr val="accent1"/>
+          </a:effectRef>
+          <a:fontRef idx="minor">
+            <a:schemeClr val="tx1"/>
+          </a:fontRef>
+        </p:style>
+      </p:cxnSp>
+      <p:cxnSp>
+        <p:nvCxnSpPr>
+          <p:cNvPr id="55" name="Conector reto 54">
+            <a:extLst>
+              <a:ext uri="{FF2B5EF4-FFF2-40B4-BE49-F238E27FC236}">
+                <a16:creationId xmlns:a16="http://schemas.microsoft.com/office/drawing/2014/main" id="{6F232653-FC72-463C-8523-B841C2D5F42B}"/>
+              </a:ext>
+            </a:extLst>
+          </p:cNvPr>
+          <p:cNvCxnSpPr>
+            <a:cxnSpLocks/>
+          </p:cNvCxnSpPr>
+          <p:nvPr/>
+        </p:nvCxnSpPr>
+        <p:spPr>
+          <a:xfrm flipV="1">
+            <a:off x="4123492" y="645716"/>
+            <a:ext cx="3810582" cy="4762257"/>
+          </a:xfrm>
+          <a:prstGeom prst="line">
+            <a:avLst/>
+          </a:prstGeom>
+          <a:ln>
+            <a:solidFill>
+              <a:srgbClr val="FFC000"/>
+            </a:solidFill>
+          </a:ln>
+        </p:spPr>
+        <p:style>
+          <a:lnRef idx="1">
+            <a:schemeClr val="accent1"/>
+          </a:lnRef>
+          <a:fillRef idx="0">
+            <a:schemeClr val="accent1"/>
+          </a:fillRef>
+          <a:effectRef idx="0">
+            <a:schemeClr val="accent1"/>
+          </a:effectRef>
+          <a:fontRef idx="minor">
+            <a:schemeClr val="tx1"/>
+          </a:fontRef>
+        </p:style>
+      </p:cxnSp>
+      <p:cxnSp>
+        <p:nvCxnSpPr>
+          <p:cNvPr id="56" name="Conector reto 55">
+            <a:extLst>
+              <a:ext uri="{FF2B5EF4-FFF2-40B4-BE49-F238E27FC236}">
+                <a16:creationId xmlns:a16="http://schemas.microsoft.com/office/drawing/2014/main" id="{02CBAF96-8347-49EB-953E-D75A6F81E267}"/>
+              </a:ext>
+            </a:extLst>
+          </p:cNvPr>
+          <p:cNvCxnSpPr>
+            <a:cxnSpLocks/>
+          </p:cNvCxnSpPr>
+          <p:nvPr/>
+        </p:nvCxnSpPr>
+        <p:spPr>
+          <a:xfrm flipV="1">
+            <a:off x="4401482" y="677254"/>
+            <a:ext cx="3750057" cy="4676624"/>
+          </a:xfrm>
+          <a:prstGeom prst="line">
+            <a:avLst/>
+          </a:prstGeom>
+          <a:ln>
+            <a:solidFill>
+              <a:srgbClr val="FFC000"/>
+            </a:solidFill>
+          </a:ln>
+        </p:spPr>
+        <p:style>
+          <a:lnRef idx="1">
+            <a:schemeClr val="accent1"/>
+          </a:lnRef>
+          <a:fillRef idx="0">
+            <a:schemeClr val="accent1"/>
+          </a:fillRef>
+          <a:effectRef idx="0">
+            <a:schemeClr val="accent1"/>
+          </a:effectRef>
+          <a:fontRef idx="minor">
+            <a:schemeClr val="tx1"/>
+          </a:fontRef>
+        </p:style>
+      </p:cxnSp>
+      <p:cxnSp>
+        <p:nvCxnSpPr>
+          <p:cNvPr id="57" name="Conector reto 56">
+            <a:extLst>
+              <a:ext uri="{FF2B5EF4-FFF2-40B4-BE49-F238E27FC236}">
+                <a16:creationId xmlns:a16="http://schemas.microsoft.com/office/drawing/2014/main" id="{4E98216F-D167-495B-864B-85EBB85C2D04}"/>
+              </a:ext>
+            </a:extLst>
+          </p:cNvPr>
+          <p:cNvCxnSpPr>
+            <a:cxnSpLocks/>
+          </p:cNvCxnSpPr>
+          <p:nvPr/>
+        </p:nvCxnSpPr>
+        <p:spPr>
+          <a:xfrm flipV="1">
+            <a:off x="4660528" y="669700"/>
+            <a:ext cx="3879110" cy="4716679"/>
+          </a:xfrm>
+          <a:prstGeom prst="line">
+            <a:avLst/>
+          </a:prstGeom>
+          <a:ln>
+            <a:solidFill>
+              <a:srgbClr val="FFC000"/>
+            </a:solidFill>
+          </a:ln>
+        </p:spPr>
+        <p:style>
+          <a:lnRef idx="1">
+            <a:schemeClr val="accent1"/>
+          </a:lnRef>
+          <a:fillRef idx="0">
+            <a:schemeClr val="accent1"/>
+          </a:fillRef>
+          <a:effectRef idx="0">
+            <a:schemeClr val="accent1"/>
+          </a:effectRef>
+          <a:fontRef idx="minor">
+            <a:schemeClr val="tx1"/>
+          </a:fontRef>
+        </p:style>
+      </p:cxnSp>
+      <p:cxnSp>
+        <p:nvCxnSpPr>
+          <p:cNvPr id="59" name="Conector reto 58">
+            <a:extLst>
+              <a:ext uri="{FF2B5EF4-FFF2-40B4-BE49-F238E27FC236}">
+                <a16:creationId xmlns:a16="http://schemas.microsoft.com/office/drawing/2014/main" id="{D2A7855D-969A-4F39-996C-E14D0BF0FCB2}"/>
+              </a:ext>
+            </a:extLst>
+          </p:cNvPr>
+          <p:cNvCxnSpPr>
+            <a:cxnSpLocks/>
+          </p:cNvCxnSpPr>
+          <p:nvPr/>
+        </p:nvCxnSpPr>
+        <p:spPr>
+          <a:xfrm flipV="1">
+            <a:off x="4952424" y="653271"/>
+            <a:ext cx="3780796" cy="4717999"/>
+          </a:xfrm>
+          <a:prstGeom prst="line">
+            <a:avLst/>
+          </a:prstGeom>
+          <a:ln>
+            <a:solidFill>
+              <a:srgbClr val="FFC000"/>
+            </a:solidFill>
+          </a:ln>
+        </p:spPr>
+        <p:style>
+          <a:lnRef idx="1">
+            <a:schemeClr val="accent1"/>
+          </a:lnRef>
+          <a:fillRef idx="0">
+            <a:schemeClr val="accent1"/>
+          </a:fillRef>
+          <a:effectRef idx="0">
+            <a:schemeClr val="accent1"/>
+          </a:effectRef>
+          <a:fontRef idx="minor">
+            <a:schemeClr val="tx1"/>
+          </a:fontRef>
+        </p:style>
+      </p:cxnSp>
+      <p:cxnSp>
+        <p:nvCxnSpPr>
+          <p:cNvPr id="60" name="Conector reto 59">
+            <a:extLst>
+              <a:ext uri="{FF2B5EF4-FFF2-40B4-BE49-F238E27FC236}">
+                <a16:creationId xmlns:a16="http://schemas.microsoft.com/office/drawing/2014/main" id="{E4BBA914-93BD-45A2-A7E6-A69A1786C126}"/>
+              </a:ext>
+            </a:extLst>
+          </p:cNvPr>
+          <p:cNvCxnSpPr>
+            <a:cxnSpLocks/>
+          </p:cNvCxnSpPr>
+          <p:nvPr/>
+        </p:nvCxnSpPr>
+        <p:spPr>
+          <a:xfrm flipV="1">
+            <a:off x="5203932" y="664068"/>
+            <a:ext cx="3729785" cy="4689810"/>
+          </a:xfrm>
+          <a:prstGeom prst="line">
+            <a:avLst/>
+          </a:prstGeom>
+          <a:ln>
+            <a:solidFill>
+              <a:srgbClr val="FFC000"/>
+            </a:solidFill>
+          </a:ln>
+        </p:spPr>
+        <p:style>
+          <a:lnRef idx="1">
+            <a:schemeClr val="accent1"/>
+          </a:lnRef>
+          <a:fillRef idx="0">
+            <a:schemeClr val="accent1"/>
+          </a:fillRef>
+          <a:effectRef idx="0">
+            <a:schemeClr val="accent1"/>
+          </a:effectRef>
+          <a:fontRef idx="minor">
+            <a:schemeClr val="tx1"/>
+          </a:fontRef>
+        </p:style>
+      </p:cxnSp>
+      <p:cxnSp>
+        <p:nvCxnSpPr>
+          <p:cNvPr id="74" name="Conector reto 73">
+            <a:extLst>
+              <a:ext uri="{FF2B5EF4-FFF2-40B4-BE49-F238E27FC236}">
+                <a16:creationId xmlns:a16="http://schemas.microsoft.com/office/drawing/2014/main" id="{0BE85C83-226E-4384-93BA-A12FA9168FBB}"/>
+              </a:ext>
+            </a:extLst>
+          </p:cNvPr>
+          <p:cNvCxnSpPr>
+            <a:cxnSpLocks/>
+          </p:cNvCxnSpPr>
+          <p:nvPr/>
+        </p:nvCxnSpPr>
+        <p:spPr>
+          <a:xfrm flipV="1">
+            <a:off x="3578265" y="4399792"/>
+            <a:ext cx="962204" cy="954086"/>
+          </a:xfrm>
+          <a:prstGeom prst="line">
+            <a:avLst/>
+          </a:prstGeom>
+          <a:ln>
+            <a:solidFill>
+              <a:srgbClr val="7030A0"/>
+            </a:solidFill>
+          </a:ln>
+        </p:spPr>
+        <p:style>
+          <a:lnRef idx="1">
+            <a:schemeClr val="accent1"/>
+          </a:lnRef>
+          <a:fillRef idx="0">
+            <a:schemeClr val="accent1"/>
+          </a:fillRef>
+          <a:effectRef idx="0">
+            <a:schemeClr val="accent1"/>
+          </a:effectRef>
+          <a:fontRef idx="minor">
+            <a:schemeClr val="tx1"/>
+          </a:fontRef>
+        </p:style>
+      </p:cxnSp>
+      <p:cxnSp>
+        <p:nvCxnSpPr>
+          <p:cNvPr id="75" name="Conector reto 74">
+            <a:extLst>
+              <a:ext uri="{FF2B5EF4-FFF2-40B4-BE49-F238E27FC236}">
+                <a16:creationId xmlns:a16="http://schemas.microsoft.com/office/drawing/2014/main" id="{CD06319D-8BB9-4DED-BF01-378DC4D8136C}"/>
+              </a:ext>
+            </a:extLst>
+          </p:cNvPr>
+          <p:cNvCxnSpPr>
+            <a:cxnSpLocks/>
+          </p:cNvCxnSpPr>
+          <p:nvPr/>
+        </p:nvCxnSpPr>
+        <p:spPr>
+          <a:xfrm flipV="1">
+            <a:off x="3405877" y="4366296"/>
+            <a:ext cx="892236" cy="987582"/>
+          </a:xfrm>
+          <a:prstGeom prst="line">
+            <a:avLst/>
+          </a:prstGeom>
+          <a:ln>
+            <a:solidFill>
+              <a:srgbClr val="7030A0"/>
+            </a:solidFill>
+          </a:ln>
+        </p:spPr>
+        <p:style>
+          <a:lnRef idx="1">
+            <a:schemeClr val="accent1"/>
+          </a:lnRef>
+          <a:fillRef idx="0">
+            <a:schemeClr val="accent1"/>
+          </a:fillRef>
+          <a:effectRef idx="0">
+            <a:schemeClr val="accent1"/>
+          </a:effectRef>
+          <a:fontRef idx="minor">
+            <a:schemeClr val="tx1"/>
+          </a:fontRef>
+        </p:style>
+      </p:cxnSp>
+      <p:cxnSp>
+        <p:nvCxnSpPr>
+          <p:cNvPr id="85" name="Conector reto 84">
+            <a:extLst>
+              <a:ext uri="{FF2B5EF4-FFF2-40B4-BE49-F238E27FC236}">
+                <a16:creationId xmlns:a16="http://schemas.microsoft.com/office/drawing/2014/main" id="{368732A2-5A24-4757-BF0E-F130A33A58A3}"/>
+              </a:ext>
+            </a:extLst>
+          </p:cNvPr>
+          <p:cNvCxnSpPr/>
+          <p:nvPr/>
+        </p:nvCxnSpPr>
+        <p:spPr>
+          <a:xfrm flipH="1">
+            <a:off x="5700833" y="1923393"/>
+            <a:ext cx="2492287" cy="3462023"/>
+          </a:xfrm>
+          <a:prstGeom prst="line">
+            <a:avLst/>
+          </a:prstGeom>
+          <a:ln>
+            <a:solidFill>
+              <a:schemeClr val="accent2">
+                <a:lumMod val="40000"/>
+                <a:lumOff val="60000"/>
+              </a:schemeClr>
+            </a:solidFill>
+          </a:ln>
+        </p:spPr>
+        <p:style>
+          <a:lnRef idx="1">
+            <a:schemeClr val="accent1"/>
+          </a:lnRef>
+          <a:fillRef idx="0">
+            <a:schemeClr val="accent1"/>
+          </a:fillRef>
+          <a:effectRef idx="0">
+            <a:schemeClr val="accent1"/>
+          </a:effectRef>
+          <a:fontRef idx="minor">
+            <a:schemeClr val="tx1"/>
+          </a:fontRef>
+        </p:style>
+      </p:cxnSp>
+      <p:cxnSp>
+        <p:nvCxnSpPr>
+          <p:cNvPr id="86" name="Conector reto 85">
+            <a:extLst>
+              <a:ext uri="{FF2B5EF4-FFF2-40B4-BE49-F238E27FC236}">
+                <a16:creationId xmlns:a16="http://schemas.microsoft.com/office/drawing/2014/main" id="{051BE4FE-CEF1-4379-A17B-B3F6C95B1104}"/>
+              </a:ext>
+            </a:extLst>
+          </p:cNvPr>
+          <p:cNvCxnSpPr>
+            <a:cxnSpLocks/>
+          </p:cNvCxnSpPr>
+          <p:nvPr/>
+        </p:nvCxnSpPr>
+        <p:spPr>
+          <a:xfrm flipH="1">
+            <a:off x="5846194" y="2108059"/>
+            <a:ext cx="2394138" cy="3302303"/>
+          </a:xfrm>
+          <a:prstGeom prst="line">
+            <a:avLst/>
+          </a:prstGeom>
+          <a:ln>
+            <a:solidFill>
+              <a:schemeClr val="accent2">
+                <a:lumMod val="40000"/>
+                <a:lumOff val="60000"/>
+              </a:schemeClr>
+            </a:solidFill>
+          </a:ln>
+        </p:spPr>
+        <p:style>
+          <a:lnRef idx="1">
+            <a:schemeClr val="accent1"/>
+          </a:lnRef>
+          <a:fillRef idx="0">
+            <a:schemeClr val="accent1"/>
+          </a:fillRef>
+          <a:effectRef idx="0">
+            <a:schemeClr val="accent1"/>
+          </a:effectRef>
+          <a:fontRef idx="minor">
+            <a:schemeClr val="tx1"/>
+          </a:fontRef>
+        </p:style>
+      </p:cxnSp>
+      <p:cxnSp>
+        <p:nvCxnSpPr>
+          <p:cNvPr id="88" name="Conector reto 87">
+            <a:extLst>
+              <a:ext uri="{FF2B5EF4-FFF2-40B4-BE49-F238E27FC236}">
+                <a16:creationId xmlns:a16="http://schemas.microsoft.com/office/drawing/2014/main" id="{939F6DB1-9A7C-4956-A137-9AEDFC9A5871}"/>
+              </a:ext>
+            </a:extLst>
+          </p:cNvPr>
+          <p:cNvCxnSpPr>
+            <a:cxnSpLocks/>
+          </p:cNvCxnSpPr>
+          <p:nvPr/>
+        </p:nvCxnSpPr>
+        <p:spPr>
+          <a:xfrm flipH="1">
+            <a:off x="6135564" y="2301766"/>
+            <a:ext cx="2090406" cy="3090245"/>
+          </a:xfrm>
+          <a:prstGeom prst="line">
+            <a:avLst/>
+          </a:prstGeom>
+          <a:ln>
+            <a:solidFill>
+              <a:schemeClr val="accent2">
+                <a:lumMod val="40000"/>
+                <a:lumOff val="60000"/>
+              </a:schemeClr>
+            </a:solidFill>
+          </a:ln>
+        </p:spPr>
+        <p:style>
+          <a:lnRef idx="1">
+            <a:schemeClr val="accent1"/>
+          </a:lnRef>
+          <a:fillRef idx="0">
+            <a:schemeClr val="accent1"/>
+          </a:fillRef>
+          <a:effectRef idx="0">
+            <a:schemeClr val="accent1"/>
+          </a:effectRef>
+          <a:fontRef idx="minor">
+            <a:schemeClr val="tx1"/>
+          </a:fontRef>
+        </p:style>
+      </p:cxnSp>
+      <p:cxnSp>
+        <p:nvCxnSpPr>
+          <p:cNvPr id="92" name="Conector reto 91">
+            <a:extLst>
+              <a:ext uri="{FF2B5EF4-FFF2-40B4-BE49-F238E27FC236}">
+                <a16:creationId xmlns:a16="http://schemas.microsoft.com/office/drawing/2014/main" id="{69FBCE80-E269-4DC0-A502-69E3B75CDC72}"/>
+              </a:ext>
+            </a:extLst>
+          </p:cNvPr>
+          <p:cNvCxnSpPr>
+            <a:cxnSpLocks/>
+          </p:cNvCxnSpPr>
+          <p:nvPr/>
+        </p:nvCxnSpPr>
+        <p:spPr>
+          <a:xfrm>
+            <a:off x="8394847" y="1922430"/>
+            <a:ext cx="761155" cy="1049652"/>
+          </a:xfrm>
+          <a:prstGeom prst="line">
+            <a:avLst/>
+          </a:prstGeom>
+          <a:ln>
+            <a:solidFill>
+              <a:schemeClr val="accent2">
+                <a:lumMod val="40000"/>
+                <a:lumOff val="60000"/>
+              </a:schemeClr>
+            </a:solidFill>
+          </a:ln>
+        </p:spPr>
+        <p:style>
+          <a:lnRef idx="1">
+            <a:schemeClr val="accent1"/>
+          </a:lnRef>
+          <a:fillRef idx="0">
+            <a:schemeClr val="accent1"/>
+          </a:fillRef>
+          <a:effectRef idx="0">
+            <a:schemeClr val="accent1"/>
+          </a:effectRef>
+          <a:fontRef idx="minor">
+            <a:schemeClr val="tx1"/>
+          </a:fontRef>
+        </p:style>
+      </p:cxnSp>
+      <p:cxnSp>
+        <p:nvCxnSpPr>
+          <p:cNvPr id="97" name="Conector reto 96">
+            <a:extLst>
+              <a:ext uri="{FF2B5EF4-FFF2-40B4-BE49-F238E27FC236}">
+                <a16:creationId xmlns:a16="http://schemas.microsoft.com/office/drawing/2014/main" id="{BC55C3C9-FEEF-43C5-A4AC-DD68D6DFBB82}"/>
+              </a:ext>
+            </a:extLst>
+          </p:cNvPr>
+          <p:cNvCxnSpPr>
+            <a:cxnSpLocks/>
+          </p:cNvCxnSpPr>
+          <p:nvPr/>
+        </p:nvCxnSpPr>
+        <p:spPr>
+          <a:xfrm flipH="1">
+            <a:off x="6399783" y="2916383"/>
+            <a:ext cx="2398901" cy="2385074"/>
+          </a:xfrm>
+          <a:prstGeom prst="line">
+            <a:avLst/>
+          </a:prstGeom>
+          <a:ln>
+            <a:solidFill>
+              <a:schemeClr val="accent2">
+                <a:lumMod val="40000"/>
+                <a:lumOff val="60000"/>
+              </a:schemeClr>
+            </a:solidFill>
+          </a:ln>
+        </p:spPr>
+        <p:style>
+          <a:lnRef idx="1">
+            <a:schemeClr val="accent1"/>
+          </a:lnRef>
+          <a:fillRef idx="0">
+            <a:schemeClr val="accent1"/>
+          </a:fillRef>
+          <a:effectRef idx="0">
+            <a:schemeClr val="accent1"/>
+          </a:effectRef>
+          <a:fontRef idx="minor">
+            <a:schemeClr val="tx1"/>
+          </a:fontRef>
+        </p:style>
+      </p:cxnSp>
+      <p:cxnSp>
+        <p:nvCxnSpPr>
+          <p:cNvPr id="99" name="Conector reto 98">
+            <a:extLst>
+              <a:ext uri="{FF2B5EF4-FFF2-40B4-BE49-F238E27FC236}">
+                <a16:creationId xmlns:a16="http://schemas.microsoft.com/office/drawing/2014/main" id="{13280154-65C6-4875-A09A-C7144EFCD194}"/>
+              </a:ext>
+            </a:extLst>
+          </p:cNvPr>
+          <p:cNvCxnSpPr>
+            <a:cxnSpLocks/>
+          </p:cNvCxnSpPr>
+          <p:nvPr/>
+        </p:nvCxnSpPr>
+        <p:spPr>
+          <a:xfrm>
+            <a:off x="8337725" y="2243393"/>
+            <a:ext cx="436339" cy="680133"/>
+          </a:xfrm>
+          <a:prstGeom prst="line">
+            <a:avLst/>
+          </a:prstGeom>
+          <a:ln>
+            <a:solidFill>
+              <a:schemeClr val="accent2">
+                <a:lumMod val="40000"/>
+                <a:lumOff val="60000"/>
+              </a:schemeClr>
+            </a:solidFill>
+          </a:ln>
+        </p:spPr>
+        <p:style>
+          <a:lnRef idx="1">
+            <a:schemeClr val="accent1"/>
+          </a:lnRef>
+          <a:fillRef idx="0">
+            <a:schemeClr val="accent1"/>
+          </a:fillRef>
+          <a:effectRef idx="0">
+            <a:schemeClr val="accent1"/>
+          </a:effectRef>
+          <a:fontRef idx="minor">
+            <a:schemeClr val="tx1"/>
+          </a:fontRef>
+        </p:style>
+      </p:cxnSp>
+      <p:cxnSp>
+        <p:nvCxnSpPr>
+          <p:cNvPr id="100" name="Conector reto 99">
+            <a:extLst>
+              <a:ext uri="{FF2B5EF4-FFF2-40B4-BE49-F238E27FC236}">
+                <a16:creationId xmlns:a16="http://schemas.microsoft.com/office/drawing/2014/main" id="{AE5EF916-E015-485A-8B29-DBE841E7D234}"/>
+              </a:ext>
+            </a:extLst>
+          </p:cNvPr>
+          <p:cNvCxnSpPr>
+            <a:cxnSpLocks/>
+          </p:cNvCxnSpPr>
+          <p:nvPr/>
+        </p:nvCxnSpPr>
+        <p:spPr>
+          <a:xfrm>
+            <a:off x="8384937" y="2113595"/>
+            <a:ext cx="589442" cy="842058"/>
+          </a:xfrm>
+          <a:prstGeom prst="line">
+            <a:avLst/>
+          </a:prstGeom>
+          <a:ln>
+            <a:solidFill>
+              <a:schemeClr val="accent2">
+                <a:lumMod val="40000"/>
+                <a:lumOff val="60000"/>
+              </a:schemeClr>
+            </a:solidFill>
+          </a:ln>
+        </p:spPr>
+        <p:style>
+          <a:lnRef idx="1">
+            <a:schemeClr val="accent1"/>
+          </a:lnRef>
+          <a:fillRef idx="0">
+            <a:schemeClr val="accent1"/>
+          </a:fillRef>
+          <a:effectRef idx="0">
+            <a:schemeClr val="accent1"/>
+          </a:effectRef>
+          <a:fontRef idx="minor">
+            <a:schemeClr val="tx1"/>
+          </a:fontRef>
+        </p:style>
+      </p:cxnSp>
+      <p:cxnSp>
+        <p:nvCxnSpPr>
+          <p:cNvPr id="106" name="Conector reto 105">
+            <a:extLst>
+              <a:ext uri="{FF2B5EF4-FFF2-40B4-BE49-F238E27FC236}">
+                <a16:creationId xmlns:a16="http://schemas.microsoft.com/office/drawing/2014/main" id="{5B292936-CB90-484C-AD87-FC183DC05D1B}"/>
+              </a:ext>
+            </a:extLst>
+          </p:cNvPr>
+          <p:cNvCxnSpPr>
+            <a:cxnSpLocks/>
+          </p:cNvCxnSpPr>
+          <p:nvPr/>
+        </p:nvCxnSpPr>
+        <p:spPr>
+          <a:xfrm flipH="1">
+            <a:off x="6600083" y="2965954"/>
+            <a:ext cx="2371206" cy="2377931"/>
+          </a:xfrm>
+          <a:prstGeom prst="line">
+            <a:avLst/>
+          </a:prstGeom>
+          <a:ln>
+            <a:solidFill>
+              <a:schemeClr val="accent2">
+                <a:lumMod val="40000"/>
+                <a:lumOff val="60000"/>
+              </a:schemeClr>
+            </a:solidFill>
+          </a:ln>
+        </p:spPr>
+        <p:style>
+          <a:lnRef idx="1">
+            <a:schemeClr val="accent1"/>
+          </a:lnRef>
+          <a:fillRef idx="0">
+            <a:schemeClr val="accent1"/>
+          </a:fillRef>
+          <a:effectRef idx="0">
+            <a:schemeClr val="accent1"/>
+          </a:effectRef>
+          <a:fontRef idx="minor">
+            <a:schemeClr val="tx1"/>
+          </a:fontRef>
+        </p:style>
+      </p:cxnSp>
+      <p:cxnSp>
+        <p:nvCxnSpPr>
+          <p:cNvPr id="109" name="Conector reto 108">
+            <a:extLst>
+              <a:ext uri="{FF2B5EF4-FFF2-40B4-BE49-F238E27FC236}">
+                <a16:creationId xmlns:a16="http://schemas.microsoft.com/office/drawing/2014/main" id="{663BF144-67C3-425A-916B-3044B3F86B35}"/>
+              </a:ext>
+            </a:extLst>
+          </p:cNvPr>
+          <p:cNvCxnSpPr>
+            <a:cxnSpLocks/>
+          </p:cNvCxnSpPr>
+          <p:nvPr/>
+        </p:nvCxnSpPr>
+        <p:spPr>
+          <a:xfrm flipH="1">
+            <a:off x="6712947" y="2982383"/>
+            <a:ext cx="2488174" cy="2473343"/>
+          </a:xfrm>
+          <a:prstGeom prst="line">
+            <a:avLst/>
+          </a:prstGeom>
+          <a:ln>
+            <a:solidFill>
+              <a:schemeClr val="accent2">
+                <a:lumMod val="40000"/>
+                <a:lumOff val="60000"/>
+              </a:schemeClr>
+            </a:solidFill>
+          </a:ln>
+        </p:spPr>
+        <p:style>
+          <a:lnRef idx="1">
+            <a:schemeClr val="accent1"/>
+          </a:lnRef>
+          <a:fillRef idx="0">
+            <a:schemeClr val="accent1"/>
+          </a:fillRef>
+          <a:effectRef idx="0">
+            <a:schemeClr val="accent1"/>
+          </a:effectRef>
+          <a:fontRef idx="minor">
+            <a:schemeClr val="tx1"/>
+          </a:fontRef>
+        </p:style>
+      </p:cxnSp>
+      <p:cxnSp>
+        <p:nvCxnSpPr>
+          <p:cNvPr id="115" name="Conector reto 114">
+            <a:extLst>
+              <a:ext uri="{FF2B5EF4-FFF2-40B4-BE49-F238E27FC236}">
+                <a16:creationId xmlns:a16="http://schemas.microsoft.com/office/drawing/2014/main" id="{F4DEC124-A9AE-44B4-8FFC-B37487D22477}"/>
+              </a:ext>
+            </a:extLst>
+          </p:cNvPr>
+          <p:cNvCxnSpPr>
+            <a:cxnSpLocks/>
+          </p:cNvCxnSpPr>
+          <p:nvPr/>
+        </p:nvCxnSpPr>
+        <p:spPr>
+          <a:xfrm>
+            <a:off x="6414236" y="5422536"/>
+            <a:ext cx="204475" cy="616819"/>
+          </a:xfrm>
+          <a:prstGeom prst="line">
+            <a:avLst/>
+          </a:prstGeom>
+          <a:ln w="76200">
+            <a:solidFill>
+              <a:schemeClr val="accent2">
+                <a:lumMod val="40000"/>
+                <a:lumOff val="60000"/>
+              </a:schemeClr>
+            </a:solidFill>
+          </a:ln>
+        </p:spPr>
+        <p:style>
+          <a:lnRef idx="1">
+            <a:schemeClr val="accent1"/>
+          </a:lnRef>
+          <a:fillRef idx="0">
+            <a:schemeClr val="accent1"/>
+          </a:fillRef>
+          <a:effectRef idx="0">
+            <a:schemeClr val="accent1"/>
+          </a:effectRef>
+          <a:fontRef idx="minor">
+            <a:schemeClr val="tx1"/>
+          </a:fontRef>
+        </p:style>
+      </p:cxnSp>
+      <p:sp>
+        <p:nvSpPr>
+          <p:cNvPr id="116" name="CaixaDeTexto 115">
+            <a:extLst>
+              <a:ext uri="{FF2B5EF4-FFF2-40B4-BE49-F238E27FC236}">
+                <a16:creationId xmlns:a16="http://schemas.microsoft.com/office/drawing/2014/main" id="{EF64BD43-B637-4031-BA51-9A42DB1C3C6F}"/>
+              </a:ext>
+            </a:extLst>
+          </p:cNvPr>
+          <p:cNvSpPr txBox="1"/>
+          <p:nvPr/>
+        </p:nvSpPr>
+        <p:spPr>
+          <a:xfrm>
+            <a:off x="6019851" y="6164340"/>
+            <a:ext cx="1242648" cy="369332"/>
+          </a:xfrm>
+          <a:prstGeom prst="rect">
+            <a:avLst/>
+          </a:prstGeom>
+          <a:noFill/>
+        </p:spPr>
+        <p:txBody>
+          <a:bodyPr wrap="none" rtlCol="0">
+            <a:spAutoFit/>
+          </a:bodyPr>
+          <a:lstStyle/>
+          <a:p>
+            <a:r>
+              <a:rPr lang="pt-BR" dirty="0"/>
+              <a:t>JP5 – 6 vias</a:t>
+            </a:r>
+          </a:p>
+        </p:txBody>
+      </p:sp>
+      <p:cxnSp>
+        <p:nvCxnSpPr>
+          <p:cNvPr id="117" name="Conector reto 116">
+            <a:extLst>
+              <a:ext uri="{FF2B5EF4-FFF2-40B4-BE49-F238E27FC236}">
+                <a16:creationId xmlns:a16="http://schemas.microsoft.com/office/drawing/2014/main" id="{D8376D69-7255-42B6-A2B4-63DA365A2E5F}"/>
+              </a:ext>
+            </a:extLst>
+          </p:cNvPr>
+          <p:cNvCxnSpPr>
+            <a:cxnSpLocks/>
+          </p:cNvCxnSpPr>
+          <p:nvPr/>
+        </p:nvCxnSpPr>
+        <p:spPr>
+          <a:xfrm>
+            <a:off x="4784138" y="5487806"/>
+            <a:ext cx="204475" cy="616819"/>
+          </a:xfrm>
+          <a:prstGeom prst="line">
+            <a:avLst/>
+          </a:prstGeom>
+          <a:ln w="76200">
+            <a:solidFill>
+              <a:srgbClr val="FFC000"/>
+            </a:solidFill>
+          </a:ln>
+        </p:spPr>
+        <p:style>
+          <a:lnRef idx="1">
+            <a:schemeClr val="accent1"/>
+          </a:lnRef>
+          <a:fillRef idx="0">
+            <a:schemeClr val="accent1"/>
+          </a:fillRef>
+          <a:effectRef idx="0">
+            <a:schemeClr val="accent1"/>
+          </a:effectRef>
+          <a:fontRef idx="minor">
+            <a:schemeClr val="tx1"/>
+          </a:fontRef>
+        </p:style>
+      </p:cxnSp>
+      <p:sp>
+        <p:nvSpPr>
+          <p:cNvPr id="118" name="CaixaDeTexto 117">
+            <a:extLst>
+              <a:ext uri="{FF2B5EF4-FFF2-40B4-BE49-F238E27FC236}">
+                <a16:creationId xmlns:a16="http://schemas.microsoft.com/office/drawing/2014/main" id="{CE34470B-708A-4968-B5A5-6FA0AF2371C0}"/>
+              </a:ext>
+            </a:extLst>
+          </p:cNvPr>
+          <p:cNvSpPr txBox="1"/>
+          <p:nvPr/>
+        </p:nvSpPr>
+        <p:spPr>
+          <a:xfrm>
+            <a:off x="4389753" y="6229610"/>
+            <a:ext cx="1242648" cy="369332"/>
+          </a:xfrm>
+          <a:prstGeom prst="rect">
+            <a:avLst/>
+          </a:prstGeom>
+          <a:noFill/>
+        </p:spPr>
+        <p:txBody>
+          <a:bodyPr wrap="none" rtlCol="0">
+            <a:spAutoFit/>
+          </a:bodyPr>
+          <a:lstStyle/>
+          <a:p>
+            <a:r>
+              <a:rPr lang="pt-BR" dirty="0"/>
+              <a:t>JP4 – 6 vias</a:t>
+            </a:r>
+          </a:p>
+        </p:txBody>
+      </p:sp>
+      <p:cxnSp>
+        <p:nvCxnSpPr>
+          <p:cNvPr id="119" name="Conector reto 118">
+            <a:extLst>
+              <a:ext uri="{FF2B5EF4-FFF2-40B4-BE49-F238E27FC236}">
+                <a16:creationId xmlns:a16="http://schemas.microsoft.com/office/drawing/2014/main" id="{B3CEE838-6639-48A3-AB6C-1F93F1E4A383}"/>
+              </a:ext>
+            </a:extLst>
+          </p:cNvPr>
+          <p:cNvCxnSpPr>
+            <a:cxnSpLocks/>
+            <a:endCxn id="120" idx="0"/>
+          </p:cNvCxnSpPr>
+          <p:nvPr/>
+        </p:nvCxnSpPr>
+        <p:spPr>
+          <a:xfrm flipH="1">
+            <a:off x="3005971" y="5487750"/>
+            <a:ext cx="414281" cy="729795"/>
+          </a:xfrm>
+          <a:prstGeom prst="line">
+            <a:avLst/>
+          </a:prstGeom>
+          <a:ln w="76200">
+            <a:solidFill>
+              <a:srgbClr val="7030A0"/>
+            </a:solidFill>
+          </a:ln>
+        </p:spPr>
+        <p:style>
+          <a:lnRef idx="1">
+            <a:schemeClr val="accent1"/>
+          </a:lnRef>
+          <a:fillRef idx="0">
+            <a:schemeClr val="accent1"/>
+          </a:fillRef>
+          <a:effectRef idx="0">
+            <a:schemeClr val="accent1"/>
+          </a:effectRef>
+          <a:fontRef idx="minor">
+            <a:schemeClr val="tx1"/>
+          </a:fontRef>
+        </p:style>
+      </p:cxnSp>
+      <p:sp>
+        <p:nvSpPr>
+          <p:cNvPr id="120" name="CaixaDeTexto 119">
+            <a:extLst>
+              <a:ext uri="{FF2B5EF4-FFF2-40B4-BE49-F238E27FC236}">
+                <a16:creationId xmlns:a16="http://schemas.microsoft.com/office/drawing/2014/main" id="{A9F1FCBB-D4BF-4E83-901F-97C5C23E3671}"/>
+              </a:ext>
+            </a:extLst>
+          </p:cNvPr>
+          <p:cNvSpPr txBox="1"/>
+          <p:nvPr/>
+        </p:nvSpPr>
+        <p:spPr>
+          <a:xfrm>
+            <a:off x="2479224" y="6217545"/>
+            <a:ext cx="1053494" cy="369332"/>
+          </a:xfrm>
+          <a:prstGeom prst="rect">
+            <a:avLst/>
+          </a:prstGeom>
+          <a:noFill/>
+        </p:spPr>
+        <p:txBody>
+          <a:bodyPr wrap="none" rtlCol="0">
+            <a:spAutoFit/>
+          </a:bodyPr>
+          <a:lstStyle/>
+          <a:p>
+            <a:r>
+              <a:rPr lang="pt-BR" dirty="0"/>
+              <a:t>X – 2 vias</a:t>
+            </a:r>
+          </a:p>
+        </p:txBody>
+      </p:sp>
+      <p:pic>
+        <p:nvPicPr>
+          <p:cNvPr id="49" name="Imagem 48">
+            <a:extLst>
+              <a:ext uri="{FF2B5EF4-FFF2-40B4-BE49-F238E27FC236}">
+                <a16:creationId xmlns:a16="http://schemas.microsoft.com/office/drawing/2014/main" id="{7329AD4E-8843-4BF7-8E37-03A6192F8FCA}"/>
+              </a:ext>
+            </a:extLst>
+          </p:cNvPr>
+          <p:cNvPicPr>
+            <a:picLocks noChangeAspect="1"/>
+          </p:cNvPicPr>
+          <p:nvPr/>
+        </p:nvPicPr>
+        <p:blipFill>
+          <a:blip r:embed="rId4"/>
+          <a:stretch>
+            <a:fillRect/>
+          </a:stretch>
+        </p:blipFill>
+        <p:spPr>
+          <a:xfrm rot="10800000">
+            <a:off x="7393035" y="1614133"/>
+            <a:ext cx="1916767" cy="962222"/>
+          </a:xfrm>
+          <a:prstGeom prst="rect">
+            <a:avLst/>
+          </a:prstGeom>
+        </p:spPr>
+      </p:pic>
+      <p:sp>
+        <p:nvSpPr>
+          <p:cNvPr id="50" name="CaixaDeTexto 49">
+            <a:extLst>
+              <a:ext uri="{FF2B5EF4-FFF2-40B4-BE49-F238E27FC236}">
+                <a16:creationId xmlns:a16="http://schemas.microsoft.com/office/drawing/2014/main" id="{389D6559-A607-4C77-A148-2BA3F589FD5E}"/>
+              </a:ext>
+            </a:extLst>
+          </p:cNvPr>
+          <p:cNvSpPr txBox="1"/>
+          <p:nvPr/>
+        </p:nvSpPr>
+        <p:spPr>
+          <a:xfrm>
+            <a:off x="9322935" y="2095244"/>
+            <a:ext cx="301686" cy="369332"/>
+          </a:xfrm>
+          <a:prstGeom prst="rect">
+            <a:avLst/>
+          </a:prstGeom>
+          <a:noFill/>
+        </p:spPr>
+        <p:txBody>
+          <a:bodyPr wrap="none" rtlCol="0">
+            <a:spAutoFit/>
+          </a:bodyPr>
+          <a:lstStyle/>
+          <a:p>
+            <a:r>
+              <a:rPr lang="pt-BR" dirty="0">
+                <a:solidFill>
+                  <a:schemeClr val="bg1"/>
+                </a:solidFill>
+              </a:rPr>
+              <a:t>1</a:t>
+            </a:r>
+          </a:p>
+        </p:txBody>
+      </p:sp>
+    </p:spTree>
+    <p:extLst>
+      <p:ext uri="{BB962C8B-B14F-4D97-AF65-F5344CB8AC3E}">
+        <p14:creationId xmlns:p14="http://schemas.microsoft.com/office/powerpoint/2010/main" val="19722537"/>
+      </p:ext>
+    </p:extLst>
+  </p:cSld>
+  <p:clrMapOvr>
+    <a:masterClrMapping/>
+  </p:clrMapOvr>
+</p:sld>
+</file>
+
+<file path=ppt/slides/slide2.xml><?xml version="1.0" encoding="utf-8"?>
+<p:sld xmlns:a="http://schemas.openxmlformats.org/drawingml/2006/main" xmlns:r="http://schemas.openxmlformats.org/officeDocument/2006/relationships" xmlns:p="http://schemas.openxmlformats.org/presentationml/2006/main">
+  <p:cSld>
+    <p:spTree>
+      <p:nvGrpSpPr>
+        <p:cNvPr id="1" name=""/>
+        <p:cNvGrpSpPr/>
+        <p:nvPr/>
+      </p:nvGrpSpPr>
+      <p:grpSpPr>
+        <a:xfrm>
+          <a:off x="0" y="0"/>
+          <a:ext cx="0" cy="0"/>
+          <a:chOff x="0" y="0"/>
+          <a:chExt cx="0" cy="0"/>
+        </a:xfrm>
+      </p:grpSpPr>
+      <p:grpSp>
+        <p:nvGrpSpPr>
+          <p:cNvPr id="39" name="Agrupar 38">
+            <a:extLst>
+              <a:ext uri="{FF2B5EF4-FFF2-40B4-BE49-F238E27FC236}">
+                <a16:creationId xmlns:a16="http://schemas.microsoft.com/office/drawing/2014/main" id="{544A2C0F-992A-498B-874D-7DF9F87956E7}"/>
+              </a:ext>
+            </a:extLst>
+          </p:cNvPr>
+          <p:cNvGrpSpPr/>
+          <p:nvPr/>
+        </p:nvGrpSpPr>
+        <p:grpSpPr>
+          <a:xfrm>
+            <a:off x="3277346" y="1412404"/>
             <a:ext cx="8596304" cy="4318541"/>
             <a:chOff x="2981741" y="346225"/>
             <a:chExt cx="8596304" cy="4318541"/>
@@ -3431,8 +5344,8 @@
               </a:stretch>
             </p:blipFill>
             <p:spPr>
-              <a:xfrm rot="16200000">
-                <a:off x="896828" y="2392635"/>
+              <a:xfrm rot="5400000">
+                <a:off x="1011220" y="2375556"/>
                 <a:ext cx="1354643" cy="692046"/>
               </a:xfrm>
               <a:prstGeom prst="rect">
@@ -3534,1901 +5447,6 @@
         </p:nvSpPr>
         <p:spPr>
           <a:xfrm>
-            <a:off x="3184635" y="5208869"/>
-            <a:ext cx="8268826" cy="335879"/>
-          </a:xfrm>
-          <a:prstGeom prst="rect">
-            <a:avLst/>
-          </a:prstGeom>
-          <a:solidFill>
-            <a:schemeClr val="accent2"/>
-          </a:solidFill>
-        </p:spPr>
-        <p:style>
-          <a:lnRef idx="2">
-            <a:schemeClr val="accent1">
-              <a:shade val="50000"/>
-            </a:schemeClr>
-          </a:lnRef>
-          <a:fillRef idx="1">
-            <a:schemeClr val="accent1"/>
-          </a:fillRef>
-          <a:effectRef idx="0">
-            <a:schemeClr val="accent1"/>
-          </a:effectRef>
-          <a:fontRef idx="minor">
-            <a:schemeClr val="lt1"/>
-          </a:fontRef>
-        </p:style>
-        <p:txBody>
-          <a:bodyPr rtlCol="0" anchor="ctr"/>
-          <a:lstStyle/>
-          <a:p>
-            <a:pPr algn="ctr"/>
-            <a:r>
-              <a:rPr lang="pt-BR" dirty="0"/>
-              <a:t>Cabo tela</a:t>
-            </a:r>
-          </a:p>
-        </p:txBody>
-      </p:sp>
-      <p:cxnSp>
-        <p:nvCxnSpPr>
-          <p:cNvPr id="11" name="Conector reto 10">
-            <a:extLst>
-              <a:ext uri="{FF2B5EF4-FFF2-40B4-BE49-F238E27FC236}">
-                <a16:creationId xmlns:a16="http://schemas.microsoft.com/office/drawing/2014/main" id="{025972A1-0390-4201-ABE9-FA5BE513304A}"/>
-              </a:ext>
-            </a:extLst>
-          </p:cNvPr>
-          <p:cNvCxnSpPr>
-            <a:cxnSpLocks/>
-          </p:cNvCxnSpPr>
-          <p:nvPr/>
-        </p:nvCxnSpPr>
-        <p:spPr>
-          <a:xfrm>
-            <a:off x="6692348" y="4386470"/>
-            <a:ext cx="1053776" cy="984800"/>
-          </a:xfrm>
-          <a:prstGeom prst="line">
-            <a:avLst/>
-          </a:prstGeom>
-        </p:spPr>
-        <p:style>
-          <a:lnRef idx="1">
-            <a:schemeClr val="accent1"/>
-          </a:lnRef>
-          <a:fillRef idx="0">
-            <a:schemeClr val="accent1"/>
-          </a:fillRef>
-          <a:effectRef idx="0">
-            <a:schemeClr val="accent1"/>
-          </a:effectRef>
-          <a:fontRef idx="minor">
-            <a:schemeClr val="tx1"/>
-          </a:fontRef>
-        </p:style>
-      </p:cxnSp>
-      <p:cxnSp>
-        <p:nvCxnSpPr>
-          <p:cNvPr id="25" name="Conector reto 24">
-            <a:extLst>
-              <a:ext uri="{FF2B5EF4-FFF2-40B4-BE49-F238E27FC236}">
-                <a16:creationId xmlns:a16="http://schemas.microsoft.com/office/drawing/2014/main" id="{2CA54909-F041-40A0-B776-FCD369A1C258}"/>
-              </a:ext>
-            </a:extLst>
-          </p:cNvPr>
-          <p:cNvCxnSpPr>
-            <a:cxnSpLocks/>
-          </p:cNvCxnSpPr>
-          <p:nvPr/>
-        </p:nvCxnSpPr>
-        <p:spPr>
-          <a:xfrm>
-            <a:off x="6927533" y="4386470"/>
-            <a:ext cx="1006541" cy="967408"/>
-          </a:xfrm>
-          <a:prstGeom prst="line">
-            <a:avLst/>
-          </a:prstGeom>
-        </p:spPr>
-        <p:style>
-          <a:lnRef idx="1">
-            <a:schemeClr val="accent1"/>
-          </a:lnRef>
-          <a:fillRef idx="0">
-            <a:schemeClr val="accent1"/>
-          </a:fillRef>
-          <a:effectRef idx="0">
-            <a:schemeClr val="accent1"/>
-          </a:effectRef>
-          <a:fontRef idx="minor">
-            <a:schemeClr val="tx1"/>
-          </a:fontRef>
-        </p:style>
-      </p:cxnSp>
-      <p:cxnSp>
-        <p:nvCxnSpPr>
-          <p:cNvPr id="27" name="Conector reto 26">
-            <a:extLst>
-              <a:ext uri="{FF2B5EF4-FFF2-40B4-BE49-F238E27FC236}">
-                <a16:creationId xmlns:a16="http://schemas.microsoft.com/office/drawing/2014/main" id="{54B7D0D3-BCC1-4D14-947F-7B3E3B11D54A}"/>
-              </a:ext>
-            </a:extLst>
-          </p:cNvPr>
-          <p:cNvCxnSpPr>
-            <a:cxnSpLocks/>
-          </p:cNvCxnSpPr>
-          <p:nvPr/>
-        </p:nvCxnSpPr>
-        <p:spPr>
-          <a:xfrm>
-            <a:off x="7109792" y="4386470"/>
-            <a:ext cx="1041747" cy="967408"/>
-          </a:xfrm>
-          <a:prstGeom prst="line">
-            <a:avLst/>
-          </a:prstGeom>
-        </p:spPr>
-        <p:style>
-          <a:lnRef idx="1">
-            <a:schemeClr val="accent1"/>
-          </a:lnRef>
-          <a:fillRef idx="0">
-            <a:schemeClr val="accent1"/>
-          </a:fillRef>
-          <a:effectRef idx="0">
-            <a:schemeClr val="accent1"/>
-          </a:effectRef>
-          <a:fontRef idx="minor">
-            <a:schemeClr val="tx1"/>
-          </a:fontRef>
-        </p:style>
-      </p:cxnSp>
-      <p:cxnSp>
-        <p:nvCxnSpPr>
-          <p:cNvPr id="28" name="Conector reto 27">
-            <a:extLst>
-              <a:ext uri="{FF2B5EF4-FFF2-40B4-BE49-F238E27FC236}">
-                <a16:creationId xmlns:a16="http://schemas.microsoft.com/office/drawing/2014/main" id="{1982EE08-4FAE-4E3C-936C-DBBB23D71F79}"/>
-              </a:ext>
-            </a:extLst>
-          </p:cNvPr>
-          <p:cNvCxnSpPr>
-            <a:cxnSpLocks/>
-          </p:cNvCxnSpPr>
-          <p:nvPr/>
-        </p:nvCxnSpPr>
-        <p:spPr>
-          <a:xfrm>
-            <a:off x="7298315" y="4386470"/>
-            <a:ext cx="1088940" cy="967408"/>
-          </a:xfrm>
-          <a:prstGeom prst="line">
-            <a:avLst/>
-          </a:prstGeom>
-        </p:spPr>
-        <p:style>
-          <a:lnRef idx="1">
-            <a:schemeClr val="accent1"/>
-          </a:lnRef>
-          <a:fillRef idx="0">
-            <a:schemeClr val="accent1"/>
-          </a:fillRef>
-          <a:effectRef idx="0">
-            <a:schemeClr val="accent1"/>
-          </a:effectRef>
-          <a:fontRef idx="minor">
-            <a:schemeClr val="tx1"/>
-          </a:fontRef>
-        </p:style>
-      </p:cxnSp>
-      <p:cxnSp>
-        <p:nvCxnSpPr>
-          <p:cNvPr id="29" name="Conector reto 28">
-            <a:extLst>
-              <a:ext uri="{FF2B5EF4-FFF2-40B4-BE49-F238E27FC236}">
-                <a16:creationId xmlns:a16="http://schemas.microsoft.com/office/drawing/2014/main" id="{FE8EF3B2-1693-4CBD-AB85-64F85CC434B5}"/>
-              </a:ext>
-            </a:extLst>
-          </p:cNvPr>
-          <p:cNvCxnSpPr>
-            <a:cxnSpLocks/>
-          </p:cNvCxnSpPr>
-          <p:nvPr/>
-        </p:nvCxnSpPr>
-        <p:spPr>
-          <a:xfrm>
-            <a:off x="7480852" y="4386470"/>
-            <a:ext cx="1058786" cy="967408"/>
-          </a:xfrm>
-          <a:prstGeom prst="line">
-            <a:avLst/>
-          </a:prstGeom>
-        </p:spPr>
-        <p:style>
-          <a:lnRef idx="1">
-            <a:schemeClr val="accent1"/>
-          </a:lnRef>
-          <a:fillRef idx="0">
-            <a:schemeClr val="accent1"/>
-          </a:fillRef>
-          <a:effectRef idx="0">
-            <a:schemeClr val="accent1"/>
-          </a:effectRef>
-          <a:fontRef idx="minor">
-            <a:schemeClr val="tx1"/>
-          </a:fontRef>
-        </p:style>
-      </p:cxnSp>
-      <p:cxnSp>
-        <p:nvCxnSpPr>
-          <p:cNvPr id="18" name="Conector reto 17">
-            <a:extLst>
-              <a:ext uri="{FF2B5EF4-FFF2-40B4-BE49-F238E27FC236}">
-                <a16:creationId xmlns:a16="http://schemas.microsoft.com/office/drawing/2014/main" id="{7EDBFD5D-CCBD-44AF-85F9-56A1CCCA571A}"/>
-              </a:ext>
-            </a:extLst>
-          </p:cNvPr>
-          <p:cNvCxnSpPr>
-            <a:cxnSpLocks/>
-          </p:cNvCxnSpPr>
-          <p:nvPr/>
-        </p:nvCxnSpPr>
-        <p:spPr>
-          <a:xfrm>
-            <a:off x="8351419" y="5427844"/>
-            <a:ext cx="204475" cy="616819"/>
-          </a:xfrm>
-          <a:prstGeom prst="line">
-            <a:avLst/>
-          </a:prstGeom>
-          <a:ln w="76200"/>
-        </p:spPr>
-        <p:style>
-          <a:lnRef idx="1">
-            <a:schemeClr val="accent1"/>
-          </a:lnRef>
-          <a:fillRef idx="0">
-            <a:schemeClr val="accent1"/>
-          </a:fillRef>
-          <a:effectRef idx="0">
-            <a:schemeClr val="accent1"/>
-          </a:effectRef>
-          <a:fontRef idx="minor">
-            <a:schemeClr val="tx1"/>
-          </a:fontRef>
-        </p:style>
-      </p:cxnSp>
-      <p:sp>
-        <p:nvSpPr>
-          <p:cNvPr id="31" name="CaixaDeTexto 30">
-            <a:extLst>
-              <a:ext uri="{FF2B5EF4-FFF2-40B4-BE49-F238E27FC236}">
-                <a16:creationId xmlns:a16="http://schemas.microsoft.com/office/drawing/2014/main" id="{D970C2D8-53AB-4EBF-9402-EFD86A799F34}"/>
-              </a:ext>
-            </a:extLst>
-          </p:cNvPr>
-          <p:cNvSpPr txBox="1"/>
-          <p:nvPr/>
-        </p:nvSpPr>
-        <p:spPr>
-          <a:xfrm>
-            <a:off x="7957034" y="6169648"/>
-            <a:ext cx="1242648" cy="369332"/>
-          </a:xfrm>
-          <a:prstGeom prst="rect">
-            <a:avLst/>
-          </a:prstGeom>
-          <a:noFill/>
-        </p:spPr>
-        <p:txBody>
-          <a:bodyPr wrap="none" rtlCol="0">
-            <a:spAutoFit/>
-          </a:bodyPr>
-          <a:lstStyle/>
-          <a:p>
-            <a:r>
-              <a:rPr lang="pt-BR" dirty="0"/>
-              <a:t>JP7 – 5 vias</a:t>
-            </a:r>
-          </a:p>
-        </p:txBody>
-      </p:sp>
-      <p:cxnSp>
-        <p:nvCxnSpPr>
-          <p:cNvPr id="33" name="Conector reto 32">
-            <a:extLst>
-              <a:ext uri="{FF2B5EF4-FFF2-40B4-BE49-F238E27FC236}">
-                <a16:creationId xmlns:a16="http://schemas.microsoft.com/office/drawing/2014/main" id="{B703532A-BB00-44B9-9437-991112642027}"/>
-              </a:ext>
-            </a:extLst>
-          </p:cNvPr>
-          <p:cNvCxnSpPr>
-            <a:cxnSpLocks/>
-          </p:cNvCxnSpPr>
-          <p:nvPr/>
-        </p:nvCxnSpPr>
-        <p:spPr>
-          <a:xfrm>
-            <a:off x="7845287" y="4386470"/>
-            <a:ext cx="2318216" cy="1032766"/>
-          </a:xfrm>
-          <a:prstGeom prst="line">
-            <a:avLst/>
-          </a:prstGeom>
-          <a:ln>
-            <a:solidFill>
-              <a:srgbClr val="FF0000"/>
-            </a:solidFill>
-          </a:ln>
-        </p:spPr>
-        <p:style>
-          <a:lnRef idx="1">
-            <a:schemeClr val="accent1"/>
-          </a:lnRef>
-          <a:fillRef idx="0">
-            <a:schemeClr val="accent1"/>
-          </a:fillRef>
-          <a:effectRef idx="0">
-            <a:schemeClr val="accent1"/>
-          </a:effectRef>
-          <a:fontRef idx="minor">
-            <a:schemeClr val="tx1"/>
-          </a:fontRef>
-        </p:style>
-      </p:cxnSp>
-      <p:cxnSp>
-        <p:nvCxnSpPr>
-          <p:cNvPr id="34" name="Conector reto 33">
-            <a:extLst>
-              <a:ext uri="{FF2B5EF4-FFF2-40B4-BE49-F238E27FC236}">
-                <a16:creationId xmlns:a16="http://schemas.microsoft.com/office/drawing/2014/main" id="{63370F7F-59AD-43D0-A3F0-CF2DABA9E640}"/>
-              </a:ext>
-            </a:extLst>
-          </p:cNvPr>
-          <p:cNvCxnSpPr>
-            <a:cxnSpLocks/>
-          </p:cNvCxnSpPr>
-          <p:nvPr/>
-        </p:nvCxnSpPr>
-        <p:spPr>
-          <a:xfrm>
-            <a:off x="8037443" y="4393098"/>
-            <a:ext cx="2430187" cy="1026138"/>
-          </a:xfrm>
-          <a:prstGeom prst="line">
-            <a:avLst/>
-          </a:prstGeom>
-          <a:ln>
-            <a:solidFill>
-              <a:srgbClr val="FF0000"/>
-            </a:solidFill>
-          </a:ln>
-        </p:spPr>
-        <p:style>
-          <a:lnRef idx="1">
-            <a:schemeClr val="accent1"/>
-          </a:lnRef>
-          <a:fillRef idx="0">
-            <a:schemeClr val="accent1"/>
-          </a:fillRef>
-          <a:effectRef idx="0">
-            <a:schemeClr val="accent1"/>
-          </a:effectRef>
-          <a:fontRef idx="minor">
-            <a:schemeClr val="tx1"/>
-          </a:fontRef>
-        </p:style>
-      </p:cxnSp>
-      <p:cxnSp>
-        <p:nvCxnSpPr>
-          <p:cNvPr id="35" name="Conector reto 34">
-            <a:extLst>
-              <a:ext uri="{FF2B5EF4-FFF2-40B4-BE49-F238E27FC236}">
-                <a16:creationId xmlns:a16="http://schemas.microsoft.com/office/drawing/2014/main" id="{018663D1-F387-4774-977D-96D59BA7B9DF}"/>
-              </a:ext>
-            </a:extLst>
-          </p:cNvPr>
-          <p:cNvCxnSpPr>
-            <a:cxnSpLocks/>
-          </p:cNvCxnSpPr>
-          <p:nvPr/>
-        </p:nvCxnSpPr>
-        <p:spPr>
-          <a:xfrm>
-            <a:off x="8236226" y="4393098"/>
-            <a:ext cx="2368712" cy="978172"/>
-          </a:xfrm>
-          <a:prstGeom prst="line">
-            <a:avLst/>
-          </a:prstGeom>
-          <a:ln>
-            <a:solidFill>
-              <a:srgbClr val="FF0000"/>
-            </a:solidFill>
-          </a:ln>
-        </p:spPr>
-        <p:style>
-          <a:lnRef idx="1">
-            <a:schemeClr val="accent1"/>
-          </a:lnRef>
-          <a:fillRef idx="0">
-            <a:schemeClr val="accent1"/>
-          </a:fillRef>
-          <a:effectRef idx="0">
-            <a:schemeClr val="accent1"/>
-          </a:effectRef>
-          <a:fontRef idx="minor">
-            <a:schemeClr val="tx1"/>
-          </a:fontRef>
-        </p:style>
-      </p:cxnSp>
-      <p:cxnSp>
-        <p:nvCxnSpPr>
-          <p:cNvPr id="36" name="Conector reto 35">
-            <a:extLst>
-              <a:ext uri="{FF2B5EF4-FFF2-40B4-BE49-F238E27FC236}">
-                <a16:creationId xmlns:a16="http://schemas.microsoft.com/office/drawing/2014/main" id="{2F9F354A-6FB6-4908-BE3E-FB62C0B3A441}"/>
-              </a:ext>
-            </a:extLst>
-          </p:cNvPr>
-          <p:cNvCxnSpPr>
-            <a:cxnSpLocks/>
-          </p:cNvCxnSpPr>
-          <p:nvPr/>
-        </p:nvCxnSpPr>
-        <p:spPr>
-          <a:xfrm>
-            <a:off x="9030248" y="4468269"/>
-            <a:ext cx="1932042" cy="925665"/>
-          </a:xfrm>
-          <a:prstGeom prst="line">
-            <a:avLst/>
-          </a:prstGeom>
-          <a:ln>
-            <a:solidFill>
-              <a:srgbClr val="FF0000"/>
-            </a:solidFill>
-          </a:ln>
-        </p:spPr>
-        <p:style>
-          <a:lnRef idx="1">
-            <a:schemeClr val="accent1"/>
-          </a:lnRef>
-          <a:fillRef idx="0">
-            <a:schemeClr val="accent1"/>
-          </a:fillRef>
-          <a:effectRef idx="0">
-            <a:schemeClr val="accent1"/>
-          </a:effectRef>
-          <a:fontRef idx="minor">
-            <a:schemeClr val="tx1"/>
-          </a:fontRef>
-        </p:style>
-      </p:cxnSp>
-      <p:pic>
-        <p:nvPicPr>
-          <p:cNvPr id="24" name="Imagem 23">
-            <a:extLst>
-              <a:ext uri="{FF2B5EF4-FFF2-40B4-BE49-F238E27FC236}">
-                <a16:creationId xmlns:a16="http://schemas.microsoft.com/office/drawing/2014/main" id="{EA83EFE6-15CB-47B3-8683-AC73B7A80818}"/>
-              </a:ext>
-            </a:extLst>
-          </p:cNvPr>
-          <p:cNvPicPr>
-            <a:picLocks noChangeAspect="1"/>
-          </p:cNvPicPr>
-          <p:nvPr/>
-        </p:nvPicPr>
-        <p:blipFill>
-          <a:blip r:embed="rId4"/>
-          <a:stretch>
-            <a:fillRect/>
-          </a:stretch>
-        </p:blipFill>
-        <p:spPr>
-          <a:xfrm>
-            <a:off x="79942" y="29530"/>
-            <a:ext cx="6988882" cy="1776249"/>
-          </a:xfrm>
-          <a:prstGeom prst="rect">
-            <a:avLst/>
-          </a:prstGeom>
-          <a:solidFill>
-            <a:srgbClr val="FFFF00"/>
-          </a:solidFill>
-        </p:spPr>
-      </p:pic>
-      <p:cxnSp>
-        <p:nvCxnSpPr>
-          <p:cNvPr id="42" name="Conector reto 41">
-            <a:extLst>
-              <a:ext uri="{FF2B5EF4-FFF2-40B4-BE49-F238E27FC236}">
-                <a16:creationId xmlns:a16="http://schemas.microsoft.com/office/drawing/2014/main" id="{D3C07783-2874-43D6-84DD-C72207951D4E}"/>
-              </a:ext>
-            </a:extLst>
-          </p:cNvPr>
-          <p:cNvCxnSpPr>
-            <a:cxnSpLocks/>
-          </p:cNvCxnSpPr>
-          <p:nvPr/>
-        </p:nvCxnSpPr>
-        <p:spPr>
-          <a:xfrm>
-            <a:off x="9442203" y="4401670"/>
-            <a:ext cx="1745544" cy="1017566"/>
-          </a:xfrm>
-          <a:prstGeom prst="line">
-            <a:avLst/>
-          </a:prstGeom>
-          <a:ln>
-            <a:solidFill>
-              <a:srgbClr val="FF0000"/>
-            </a:solidFill>
-          </a:ln>
-        </p:spPr>
-        <p:style>
-          <a:lnRef idx="1">
-            <a:schemeClr val="accent1"/>
-          </a:lnRef>
-          <a:fillRef idx="0">
-            <a:schemeClr val="accent1"/>
-          </a:fillRef>
-          <a:effectRef idx="0">
-            <a:schemeClr val="accent1"/>
-          </a:effectRef>
-          <a:fontRef idx="minor">
-            <a:schemeClr val="tx1"/>
-          </a:fontRef>
-        </p:style>
-      </p:cxnSp>
-      <p:cxnSp>
-        <p:nvCxnSpPr>
-          <p:cNvPr id="45" name="Conector reto 44">
-            <a:extLst>
-              <a:ext uri="{FF2B5EF4-FFF2-40B4-BE49-F238E27FC236}">
-                <a16:creationId xmlns:a16="http://schemas.microsoft.com/office/drawing/2014/main" id="{1E6CB082-CC50-4D0E-988C-CEDA206E7133}"/>
-              </a:ext>
-            </a:extLst>
-          </p:cNvPr>
-          <p:cNvCxnSpPr>
-            <a:cxnSpLocks/>
-          </p:cNvCxnSpPr>
-          <p:nvPr/>
-        </p:nvCxnSpPr>
-        <p:spPr>
-          <a:xfrm>
-            <a:off x="9650806" y="4399792"/>
-            <a:ext cx="1633649" cy="986587"/>
-          </a:xfrm>
-          <a:prstGeom prst="line">
-            <a:avLst/>
-          </a:prstGeom>
-          <a:ln>
-            <a:solidFill>
-              <a:srgbClr val="FF0000"/>
-            </a:solidFill>
-          </a:ln>
-        </p:spPr>
-        <p:style>
-          <a:lnRef idx="1">
-            <a:schemeClr val="accent1"/>
-          </a:lnRef>
-          <a:fillRef idx="0">
-            <a:schemeClr val="accent1"/>
-          </a:fillRef>
-          <a:effectRef idx="0">
-            <a:schemeClr val="accent1"/>
-          </a:effectRef>
-          <a:fontRef idx="minor">
-            <a:schemeClr val="tx1"/>
-          </a:fontRef>
-        </p:style>
-      </p:cxnSp>
-      <p:cxnSp>
-        <p:nvCxnSpPr>
-          <p:cNvPr id="47" name="Conector reto 46">
-            <a:extLst>
-              <a:ext uri="{FF2B5EF4-FFF2-40B4-BE49-F238E27FC236}">
-                <a16:creationId xmlns:a16="http://schemas.microsoft.com/office/drawing/2014/main" id="{98DB2744-FBFA-4D6C-8A39-072BEC3B9D15}"/>
-              </a:ext>
-            </a:extLst>
-          </p:cNvPr>
-          <p:cNvCxnSpPr>
-            <a:cxnSpLocks/>
-          </p:cNvCxnSpPr>
-          <p:nvPr/>
-        </p:nvCxnSpPr>
-        <p:spPr>
-          <a:xfrm flipH="1">
-            <a:off x="10604938" y="5520200"/>
-            <a:ext cx="284562" cy="835671"/>
-          </a:xfrm>
-          <a:prstGeom prst="line">
-            <a:avLst/>
-          </a:prstGeom>
-          <a:ln w="76200">
-            <a:solidFill>
-              <a:srgbClr val="FF0000"/>
-            </a:solidFill>
-          </a:ln>
-        </p:spPr>
-        <p:style>
-          <a:lnRef idx="1">
-            <a:schemeClr val="accent1"/>
-          </a:lnRef>
-          <a:fillRef idx="0">
-            <a:schemeClr val="accent1"/>
-          </a:fillRef>
-          <a:effectRef idx="0">
-            <a:schemeClr val="accent1"/>
-          </a:effectRef>
-          <a:fontRef idx="minor">
-            <a:schemeClr val="tx1"/>
-          </a:fontRef>
-        </p:style>
-      </p:cxnSp>
-      <p:sp>
-        <p:nvSpPr>
-          <p:cNvPr id="48" name="CaixaDeTexto 47">
-            <a:extLst>
-              <a:ext uri="{FF2B5EF4-FFF2-40B4-BE49-F238E27FC236}">
-                <a16:creationId xmlns:a16="http://schemas.microsoft.com/office/drawing/2014/main" id="{269269A4-F6C1-4845-AF09-1EC427B33C26}"/>
-              </a:ext>
-            </a:extLst>
-          </p:cNvPr>
-          <p:cNvSpPr txBox="1"/>
-          <p:nvPr/>
-        </p:nvSpPr>
-        <p:spPr>
-          <a:xfrm>
-            <a:off x="9867563" y="6358603"/>
-            <a:ext cx="1242648" cy="369332"/>
-          </a:xfrm>
-          <a:prstGeom prst="rect">
-            <a:avLst/>
-          </a:prstGeom>
-          <a:noFill/>
-        </p:spPr>
-        <p:txBody>
-          <a:bodyPr wrap="none" rtlCol="0">
-            <a:spAutoFit/>
-          </a:bodyPr>
-          <a:lstStyle/>
-          <a:p>
-            <a:r>
-              <a:rPr lang="pt-BR" dirty="0"/>
-              <a:t>JP8 – 6 vias</a:t>
-            </a:r>
-          </a:p>
-        </p:txBody>
-      </p:sp>
-      <p:cxnSp>
-        <p:nvCxnSpPr>
-          <p:cNvPr id="53" name="Conector reto 52">
-            <a:extLst>
-              <a:ext uri="{FF2B5EF4-FFF2-40B4-BE49-F238E27FC236}">
-                <a16:creationId xmlns:a16="http://schemas.microsoft.com/office/drawing/2014/main" id="{F964DCCE-647F-4708-9E53-E9E722620A0D}"/>
-              </a:ext>
-            </a:extLst>
-          </p:cNvPr>
-          <p:cNvCxnSpPr>
-            <a:cxnSpLocks/>
-          </p:cNvCxnSpPr>
-          <p:nvPr/>
-        </p:nvCxnSpPr>
-        <p:spPr>
-          <a:xfrm flipV="1">
-            <a:off x="3889375" y="693683"/>
-            <a:ext cx="3856749" cy="4700250"/>
-          </a:xfrm>
-          <a:prstGeom prst="line">
-            <a:avLst/>
-          </a:prstGeom>
-          <a:ln>
-            <a:solidFill>
-              <a:srgbClr val="FFC000"/>
-            </a:solidFill>
-          </a:ln>
-        </p:spPr>
-        <p:style>
-          <a:lnRef idx="1">
-            <a:schemeClr val="accent1"/>
-          </a:lnRef>
-          <a:fillRef idx="0">
-            <a:schemeClr val="accent1"/>
-          </a:fillRef>
-          <a:effectRef idx="0">
-            <a:schemeClr val="accent1"/>
-          </a:effectRef>
-          <a:fontRef idx="minor">
-            <a:schemeClr val="tx1"/>
-          </a:fontRef>
-        </p:style>
-      </p:cxnSp>
-      <p:cxnSp>
-        <p:nvCxnSpPr>
-          <p:cNvPr id="55" name="Conector reto 54">
-            <a:extLst>
-              <a:ext uri="{FF2B5EF4-FFF2-40B4-BE49-F238E27FC236}">
-                <a16:creationId xmlns:a16="http://schemas.microsoft.com/office/drawing/2014/main" id="{6F232653-FC72-463C-8523-B841C2D5F42B}"/>
-              </a:ext>
-            </a:extLst>
-          </p:cNvPr>
-          <p:cNvCxnSpPr>
-            <a:cxnSpLocks/>
-          </p:cNvCxnSpPr>
-          <p:nvPr/>
-        </p:nvCxnSpPr>
-        <p:spPr>
-          <a:xfrm flipV="1">
-            <a:off x="4123492" y="645716"/>
-            <a:ext cx="3810582" cy="4762257"/>
-          </a:xfrm>
-          <a:prstGeom prst="line">
-            <a:avLst/>
-          </a:prstGeom>
-          <a:ln>
-            <a:solidFill>
-              <a:srgbClr val="FFC000"/>
-            </a:solidFill>
-          </a:ln>
-        </p:spPr>
-        <p:style>
-          <a:lnRef idx="1">
-            <a:schemeClr val="accent1"/>
-          </a:lnRef>
-          <a:fillRef idx="0">
-            <a:schemeClr val="accent1"/>
-          </a:fillRef>
-          <a:effectRef idx="0">
-            <a:schemeClr val="accent1"/>
-          </a:effectRef>
-          <a:fontRef idx="minor">
-            <a:schemeClr val="tx1"/>
-          </a:fontRef>
-        </p:style>
-      </p:cxnSp>
-      <p:cxnSp>
-        <p:nvCxnSpPr>
-          <p:cNvPr id="56" name="Conector reto 55">
-            <a:extLst>
-              <a:ext uri="{FF2B5EF4-FFF2-40B4-BE49-F238E27FC236}">
-                <a16:creationId xmlns:a16="http://schemas.microsoft.com/office/drawing/2014/main" id="{02CBAF96-8347-49EB-953E-D75A6F81E267}"/>
-              </a:ext>
-            </a:extLst>
-          </p:cNvPr>
-          <p:cNvCxnSpPr>
-            <a:cxnSpLocks/>
-          </p:cNvCxnSpPr>
-          <p:nvPr/>
-        </p:nvCxnSpPr>
-        <p:spPr>
-          <a:xfrm flipV="1">
-            <a:off x="4401482" y="677254"/>
-            <a:ext cx="3750057" cy="4676624"/>
-          </a:xfrm>
-          <a:prstGeom prst="line">
-            <a:avLst/>
-          </a:prstGeom>
-          <a:ln>
-            <a:solidFill>
-              <a:srgbClr val="FFC000"/>
-            </a:solidFill>
-          </a:ln>
-        </p:spPr>
-        <p:style>
-          <a:lnRef idx="1">
-            <a:schemeClr val="accent1"/>
-          </a:lnRef>
-          <a:fillRef idx="0">
-            <a:schemeClr val="accent1"/>
-          </a:fillRef>
-          <a:effectRef idx="0">
-            <a:schemeClr val="accent1"/>
-          </a:effectRef>
-          <a:fontRef idx="minor">
-            <a:schemeClr val="tx1"/>
-          </a:fontRef>
-        </p:style>
-      </p:cxnSp>
-      <p:cxnSp>
-        <p:nvCxnSpPr>
-          <p:cNvPr id="57" name="Conector reto 56">
-            <a:extLst>
-              <a:ext uri="{FF2B5EF4-FFF2-40B4-BE49-F238E27FC236}">
-                <a16:creationId xmlns:a16="http://schemas.microsoft.com/office/drawing/2014/main" id="{4E98216F-D167-495B-864B-85EBB85C2D04}"/>
-              </a:ext>
-            </a:extLst>
-          </p:cNvPr>
-          <p:cNvCxnSpPr>
-            <a:cxnSpLocks/>
-          </p:cNvCxnSpPr>
-          <p:nvPr/>
-        </p:nvCxnSpPr>
-        <p:spPr>
-          <a:xfrm flipV="1">
-            <a:off x="4660528" y="669700"/>
-            <a:ext cx="3879110" cy="4716679"/>
-          </a:xfrm>
-          <a:prstGeom prst="line">
-            <a:avLst/>
-          </a:prstGeom>
-          <a:ln>
-            <a:solidFill>
-              <a:srgbClr val="FFC000"/>
-            </a:solidFill>
-          </a:ln>
-        </p:spPr>
-        <p:style>
-          <a:lnRef idx="1">
-            <a:schemeClr val="accent1"/>
-          </a:lnRef>
-          <a:fillRef idx="0">
-            <a:schemeClr val="accent1"/>
-          </a:fillRef>
-          <a:effectRef idx="0">
-            <a:schemeClr val="accent1"/>
-          </a:effectRef>
-          <a:fontRef idx="minor">
-            <a:schemeClr val="tx1"/>
-          </a:fontRef>
-        </p:style>
-      </p:cxnSp>
-      <p:cxnSp>
-        <p:nvCxnSpPr>
-          <p:cNvPr id="59" name="Conector reto 58">
-            <a:extLst>
-              <a:ext uri="{FF2B5EF4-FFF2-40B4-BE49-F238E27FC236}">
-                <a16:creationId xmlns:a16="http://schemas.microsoft.com/office/drawing/2014/main" id="{D2A7855D-969A-4F39-996C-E14D0BF0FCB2}"/>
-              </a:ext>
-            </a:extLst>
-          </p:cNvPr>
-          <p:cNvCxnSpPr>
-            <a:cxnSpLocks/>
-          </p:cNvCxnSpPr>
-          <p:nvPr/>
-        </p:nvCxnSpPr>
-        <p:spPr>
-          <a:xfrm flipV="1">
-            <a:off x="4952424" y="653271"/>
-            <a:ext cx="3780796" cy="4717999"/>
-          </a:xfrm>
-          <a:prstGeom prst="line">
-            <a:avLst/>
-          </a:prstGeom>
-          <a:ln>
-            <a:solidFill>
-              <a:srgbClr val="FFC000"/>
-            </a:solidFill>
-          </a:ln>
-        </p:spPr>
-        <p:style>
-          <a:lnRef idx="1">
-            <a:schemeClr val="accent1"/>
-          </a:lnRef>
-          <a:fillRef idx="0">
-            <a:schemeClr val="accent1"/>
-          </a:fillRef>
-          <a:effectRef idx="0">
-            <a:schemeClr val="accent1"/>
-          </a:effectRef>
-          <a:fontRef idx="minor">
-            <a:schemeClr val="tx1"/>
-          </a:fontRef>
-        </p:style>
-      </p:cxnSp>
-      <p:cxnSp>
-        <p:nvCxnSpPr>
-          <p:cNvPr id="60" name="Conector reto 59">
-            <a:extLst>
-              <a:ext uri="{FF2B5EF4-FFF2-40B4-BE49-F238E27FC236}">
-                <a16:creationId xmlns:a16="http://schemas.microsoft.com/office/drawing/2014/main" id="{E4BBA914-93BD-45A2-A7E6-A69A1786C126}"/>
-              </a:ext>
-            </a:extLst>
-          </p:cNvPr>
-          <p:cNvCxnSpPr>
-            <a:cxnSpLocks/>
-          </p:cNvCxnSpPr>
-          <p:nvPr/>
-        </p:nvCxnSpPr>
-        <p:spPr>
-          <a:xfrm flipV="1">
-            <a:off x="5203932" y="664068"/>
-            <a:ext cx="3729785" cy="4689810"/>
-          </a:xfrm>
-          <a:prstGeom prst="line">
-            <a:avLst/>
-          </a:prstGeom>
-          <a:ln>
-            <a:solidFill>
-              <a:srgbClr val="FFC000"/>
-            </a:solidFill>
-          </a:ln>
-        </p:spPr>
-        <p:style>
-          <a:lnRef idx="1">
-            <a:schemeClr val="accent1"/>
-          </a:lnRef>
-          <a:fillRef idx="0">
-            <a:schemeClr val="accent1"/>
-          </a:fillRef>
-          <a:effectRef idx="0">
-            <a:schemeClr val="accent1"/>
-          </a:effectRef>
-          <a:fontRef idx="minor">
-            <a:schemeClr val="tx1"/>
-          </a:fontRef>
-        </p:style>
-      </p:cxnSp>
-      <p:cxnSp>
-        <p:nvCxnSpPr>
-          <p:cNvPr id="74" name="Conector reto 73">
-            <a:extLst>
-              <a:ext uri="{FF2B5EF4-FFF2-40B4-BE49-F238E27FC236}">
-                <a16:creationId xmlns:a16="http://schemas.microsoft.com/office/drawing/2014/main" id="{0BE85C83-226E-4384-93BA-A12FA9168FBB}"/>
-              </a:ext>
-            </a:extLst>
-          </p:cNvPr>
-          <p:cNvCxnSpPr>
-            <a:cxnSpLocks/>
-          </p:cNvCxnSpPr>
-          <p:nvPr/>
-        </p:nvCxnSpPr>
-        <p:spPr>
-          <a:xfrm flipV="1">
-            <a:off x="3578265" y="4399792"/>
-            <a:ext cx="962204" cy="954086"/>
-          </a:xfrm>
-          <a:prstGeom prst="line">
-            <a:avLst/>
-          </a:prstGeom>
-          <a:ln>
-            <a:solidFill>
-              <a:srgbClr val="7030A0"/>
-            </a:solidFill>
-          </a:ln>
-        </p:spPr>
-        <p:style>
-          <a:lnRef idx="1">
-            <a:schemeClr val="accent1"/>
-          </a:lnRef>
-          <a:fillRef idx="0">
-            <a:schemeClr val="accent1"/>
-          </a:fillRef>
-          <a:effectRef idx="0">
-            <a:schemeClr val="accent1"/>
-          </a:effectRef>
-          <a:fontRef idx="minor">
-            <a:schemeClr val="tx1"/>
-          </a:fontRef>
-        </p:style>
-      </p:cxnSp>
-      <p:cxnSp>
-        <p:nvCxnSpPr>
-          <p:cNvPr id="75" name="Conector reto 74">
-            <a:extLst>
-              <a:ext uri="{FF2B5EF4-FFF2-40B4-BE49-F238E27FC236}">
-                <a16:creationId xmlns:a16="http://schemas.microsoft.com/office/drawing/2014/main" id="{CD06319D-8BB9-4DED-BF01-378DC4D8136C}"/>
-              </a:ext>
-            </a:extLst>
-          </p:cNvPr>
-          <p:cNvCxnSpPr>
-            <a:cxnSpLocks/>
-          </p:cNvCxnSpPr>
-          <p:nvPr/>
-        </p:nvCxnSpPr>
-        <p:spPr>
-          <a:xfrm flipV="1">
-            <a:off x="3405877" y="4366296"/>
-            <a:ext cx="892236" cy="987582"/>
-          </a:xfrm>
-          <a:prstGeom prst="line">
-            <a:avLst/>
-          </a:prstGeom>
-          <a:ln>
-            <a:solidFill>
-              <a:srgbClr val="7030A0"/>
-            </a:solidFill>
-          </a:ln>
-        </p:spPr>
-        <p:style>
-          <a:lnRef idx="1">
-            <a:schemeClr val="accent1"/>
-          </a:lnRef>
-          <a:fillRef idx="0">
-            <a:schemeClr val="accent1"/>
-          </a:fillRef>
-          <a:effectRef idx="0">
-            <a:schemeClr val="accent1"/>
-          </a:effectRef>
-          <a:fontRef idx="minor">
-            <a:schemeClr val="tx1"/>
-          </a:fontRef>
-        </p:style>
-      </p:cxnSp>
-      <p:cxnSp>
-        <p:nvCxnSpPr>
-          <p:cNvPr id="85" name="Conector reto 84">
-            <a:extLst>
-              <a:ext uri="{FF2B5EF4-FFF2-40B4-BE49-F238E27FC236}">
-                <a16:creationId xmlns:a16="http://schemas.microsoft.com/office/drawing/2014/main" id="{368732A2-5A24-4757-BF0E-F130A33A58A3}"/>
-              </a:ext>
-            </a:extLst>
-          </p:cNvPr>
-          <p:cNvCxnSpPr/>
-          <p:nvPr/>
-        </p:nvCxnSpPr>
-        <p:spPr>
-          <a:xfrm flipH="1">
-            <a:off x="5700833" y="1923393"/>
-            <a:ext cx="2492287" cy="3462023"/>
-          </a:xfrm>
-          <a:prstGeom prst="line">
-            <a:avLst/>
-          </a:prstGeom>
-          <a:ln>
-            <a:solidFill>
-              <a:schemeClr val="accent2">
-                <a:lumMod val="40000"/>
-                <a:lumOff val="60000"/>
-              </a:schemeClr>
-            </a:solidFill>
-          </a:ln>
-        </p:spPr>
-        <p:style>
-          <a:lnRef idx="1">
-            <a:schemeClr val="accent1"/>
-          </a:lnRef>
-          <a:fillRef idx="0">
-            <a:schemeClr val="accent1"/>
-          </a:fillRef>
-          <a:effectRef idx="0">
-            <a:schemeClr val="accent1"/>
-          </a:effectRef>
-          <a:fontRef idx="minor">
-            <a:schemeClr val="tx1"/>
-          </a:fontRef>
-        </p:style>
-      </p:cxnSp>
-      <p:cxnSp>
-        <p:nvCxnSpPr>
-          <p:cNvPr id="86" name="Conector reto 85">
-            <a:extLst>
-              <a:ext uri="{FF2B5EF4-FFF2-40B4-BE49-F238E27FC236}">
-                <a16:creationId xmlns:a16="http://schemas.microsoft.com/office/drawing/2014/main" id="{051BE4FE-CEF1-4379-A17B-B3F6C95B1104}"/>
-              </a:ext>
-            </a:extLst>
-          </p:cNvPr>
-          <p:cNvCxnSpPr>
-            <a:cxnSpLocks/>
-          </p:cNvCxnSpPr>
-          <p:nvPr/>
-        </p:nvCxnSpPr>
-        <p:spPr>
-          <a:xfrm flipH="1">
-            <a:off x="5846194" y="2108059"/>
-            <a:ext cx="2394138" cy="3302303"/>
-          </a:xfrm>
-          <a:prstGeom prst="line">
-            <a:avLst/>
-          </a:prstGeom>
-          <a:ln>
-            <a:solidFill>
-              <a:schemeClr val="accent2">
-                <a:lumMod val="40000"/>
-                <a:lumOff val="60000"/>
-              </a:schemeClr>
-            </a:solidFill>
-          </a:ln>
-        </p:spPr>
-        <p:style>
-          <a:lnRef idx="1">
-            <a:schemeClr val="accent1"/>
-          </a:lnRef>
-          <a:fillRef idx="0">
-            <a:schemeClr val="accent1"/>
-          </a:fillRef>
-          <a:effectRef idx="0">
-            <a:schemeClr val="accent1"/>
-          </a:effectRef>
-          <a:fontRef idx="minor">
-            <a:schemeClr val="tx1"/>
-          </a:fontRef>
-        </p:style>
-      </p:cxnSp>
-      <p:cxnSp>
-        <p:nvCxnSpPr>
-          <p:cNvPr id="88" name="Conector reto 87">
-            <a:extLst>
-              <a:ext uri="{FF2B5EF4-FFF2-40B4-BE49-F238E27FC236}">
-                <a16:creationId xmlns:a16="http://schemas.microsoft.com/office/drawing/2014/main" id="{939F6DB1-9A7C-4956-A137-9AEDFC9A5871}"/>
-              </a:ext>
-            </a:extLst>
-          </p:cNvPr>
-          <p:cNvCxnSpPr>
-            <a:cxnSpLocks/>
-          </p:cNvCxnSpPr>
-          <p:nvPr/>
-        </p:nvCxnSpPr>
-        <p:spPr>
-          <a:xfrm flipH="1">
-            <a:off x="6135564" y="2301766"/>
-            <a:ext cx="2090406" cy="3090245"/>
-          </a:xfrm>
-          <a:prstGeom prst="line">
-            <a:avLst/>
-          </a:prstGeom>
-          <a:ln>
-            <a:solidFill>
-              <a:schemeClr val="accent2">
-                <a:lumMod val="40000"/>
-                <a:lumOff val="60000"/>
-              </a:schemeClr>
-            </a:solidFill>
-          </a:ln>
-        </p:spPr>
-        <p:style>
-          <a:lnRef idx="1">
-            <a:schemeClr val="accent1"/>
-          </a:lnRef>
-          <a:fillRef idx="0">
-            <a:schemeClr val="accent1"/>
-          </a:fillRef>
-          <a:effectRef idx="0">
-            <a:schemeClr val="accent1"/>
-          </a:effectRef>
-          <a:fontRef idx="minor">
-            <a:schemeClr val="tx1"/>
-          </a:fontRef>
-        </p:style>
-      </p:cxnSp>
-      <p:cxnSp>
-        <p:nvCxnSpPr>
-          <p:cNvPr id="92" name="Conector reto 91">
-            <a:extLst>
-              <a:ext uri="{FF2B5EF4-FFF2-40B4-BE49-F238E27FC236}">
-                <a16:creationId xmlns:a16="http://schemas.microsoft.com/office/drawing/2014/main" id="{69FBCE80-E269-4DC0-A502-69E3B75CDC72}"/>
-              </a:ext>
-            </a:extLst>
-          </p:cNvPr>
-          <p:cNvCxnSpPr>
-            <a:cxnSpLocks/>
-          </p:cNvCxnSpPr>
-          <p:nvPr/>
-        </p:nvCxnSpPr>
-        <p:spPr>
-          <a:xfrm>
-            <a:off x="8394847" y="1922430"/>
-            <a:ext cx="761155" cy="1049652"/>
-          </a:xfrm>
-          <a:prstGeom prst="line">
-            <a:avLst/>
-          </a:prstGeom>
-          <a:ln>
-            <a:solidFill>
-              <a:schemeClr val="accent2">
-                <a:lumMod val="40000"/>
-                <a:lumOff val="60000"/>
-              </a:schemeClr>
-            </a:solidFill>
-          </a:ln>
-        </p:spPr>
-        <p:style>
-          <a:lnRef idx="1">
-            <a:schemeClr val="accent1"/>
-          </a:lnRef>
-          <a:fillRef idx="0">
-            <a:schemeClr val="accent1"/>
-          </a:fillRef>
-          <a:effectRef idx="0">
-            <a:schemeClr val="accent1"/>
-          </a:effectRef>
-          <a:fontRef idx="minor">
-            <a:schemeClr val="tx1"/>
-          </a:fontRef>
-        </p:style>
-      </p:cxnSp>
-      <p:cxnSp>
-        <p:nvCxnSpPr>
-          <p:cNvPr id="97" name="Conector reto 96">
-            <a:extLst>
-              <a:ext uri="{FF2B5EF4-FFF2-40B4-BE49-F238E27FC236}">
-                <a16:creationId xmlns:a16="http://schemas.microsoft.com/office/drawing/2014/main" id="{BC55C3C9-FEEF-43C5-A4AC-DD68D6DFBB82}"/>
-              </a:ext>
-            </a:extLst>
-          </p:cNvPr>
-          <p:cNvCxnSpPr>
-            <a:cxnSpLocks/>
-          </p:cNvCxnSpPr>
-          <p:nvPr/>
-        </p:nvCxnSpPr>
-        <p:spPr>
-          <a:xfrm flipH="1">
-            <a:off x="6399783" y="2916383"/>
-            <a:ext cx="2398901" cy="2385074"/>
-          </a:xfrm>
-          <a:prstGeom prst="line">
-            <a:avLst/>
-          </a:prstGeom>
-          <a:ln>
-            <a:solidFill>
-              <a:schemeClr val="accent2">
-                <a:lumMod val="40000"/>
-                <a:lumOff val="60000"/>
-              </a:schemeClr>
-            </a:solidFill>
-          </a:ln>
-        </p:spPr>
-        <p:style>
-          <a:lnRef idx="1">
-            <a:schemeClr val="accent1"/>
-          </a:lnRef>
-          <a:fillRef idx="0">
-            <a:schemeClr val="accent1"/>
-          </a:fillRef>
-          <a:effectRef idx="0">
-            <a:schemeClr val="accent1"/>
-          </a:effectRef>
-          <a:fontRef idx="minor">
-            <a:schemeClr val="tx1"/>
-          </a:fontRef>
-        </p:style>
-      </p:cxnSp>
-      <p:cxnSp>
-        <p:nvCxnSpPr>
-          <p:cNvPr id="99" name="Conector reto 98">
-            <a:extLst>
-              <a:ext uri="{FF2B5EF4-FFF2-40B4-BE49-F238E27FC236}">
-                <a16:creationId xmlns:a16="http://schemas.microsoft.com/office/drawing/2014/main" id="{13280154-65C6-4875-A09A-C7144EFCD194}"/>
-              </a:ext>
-            </a:extLst>
-          </p:cNvPr>
-          <p:cNvCxnSpPr>
-            <a:cxnSpLocks/>
-          </p:cNvCxnSpPr>
-          <p:nvPr/>
-        </p:nvCxnSpPr>
-        <p:spPr>
-          <a:xfrm>
-            <a:off x="8337725" y="2243393"/>
-            <a:ext cx="436339" cy="680133"/>
-          </a:xfrm>
-          <a:prstGeom prst="line">
-            <a:avLst/>
-          </a:prstGeom>
-          <a:ln>
-            <a:solidFill>
-              <a:schemeClr val="accent2">
-                <a:lumMod val="40000"/>
-                <a:lumOff val="60000"/>
-              </a:schemeClr>
-            </a:solidFill>
-          </a:ln>
-        </p:spPr>
-        <p:style>
-          <a:lnRef idx="1">
-            <a:schemeClr val="accent1"/>
-          </a:lnRef>
-          <a:fillRef idx="0">
-            <a:schemeClr val="accent1"/>
-          </a:fillRef>
-          <a:effectRef idx="0">
-            <a:schemeClr val="accent1"/>
-          </a:effectRef>
-          <a:fontRef idx="minor">
-            <a:schemeClr val="tx1"/>
-          </a:fontRef>
-        </p:style>
-      </p:cxnSp>
-      <p:cxnSp>
-        <p:nvCxnSpPr>
-          <p:cNvPr id="100" name="Conector reto 99">
-            <a:extLst>
-              <a:ext uri="{FF2B5EF4-FFF2-40B4-BE49-F238E27FC236}">
-                <a16:creationId xmlns:a16="http://schemas.microsoft.com/office/drawing/2014/main" id="{AE5EF916-E015-485A-8B29-DBE841E7D234}"/>
-              </a:ext>
-            </a:extLst>
-          </p:cNvPr>
-          <p:cNvCxnSpPr>
-            <a:cxnSpLocks/>
-          </p:cNvCxnSpPr>
-          <p:nvPr/>
-        </p:nvCxnSpPr>
-        <p:spPr>
-          <a:xfrm>
-            <a:off x="8384937" y="2113595"/>
-            <a:ext cx="589442" cy="842058"/>
-          </a:xfrm>
-          <a:prstGeom prst="line">
-            <a:avLst/>
-          </a:prstGeom>
-          <a:ln>
-            <a:solidFill>
-              <a:schemeClr val="accent2">
-                <a:lumMod val="40000"/>
-                <a:lumOff val="60000"/>
-              </a:schemeClr>
-            </a:solidFill>
-          </a:ln>
-        </p:spPr>
-        <p:style>
-          <a:lnRef idx="1">
-            <a:schemeClr val="accent1"/>
-          </a:lnRef>
-          <a:fillRef idx="0">
-            <a:schemeClr val="accent1"/>
-          </a:fillRef>
-          <a:effectRef idx="0">
-            <a:schemeClr val="accent1"/>
-          </a:effectRef>
-          <a:fontRef idx="minor">
-            <a:schemeClr val="tx1"/>
-          </a:fontRef>
-        </p:style>
-      </p:cxnSp>
-      <p:cxnSp>
-        <p:nvCxnSpPr>
-          <p:cNvPr id="106" name="Conector reto 105">
-            <a:extLst>
-              <a:ext uri="{FF2B5EF4-FFF2-40B4-BE49-F238E27FC236}">
-                <a16:creationId xmlns:a16="http://schemas.microsoft.com/office/drawing/2014/main" id="{5B292936-CB90-484C-AD87-FC183DC05D1B}"/>
-              </a:ext>
-            </a:extLst>
-          </p:cNvPr>
-          <p:cNvCxnSpPr>
-            <a:cxnSpLocks/>
-          </p:cNvCxnSpPr>
-          <p:nvPr/>
-        </p:nvCxnSpPr>
-        <p:spPr>
-          <a:xfrm flipH="1">
-            <a:off x="6600083" y="2965954"/>
-            <a:ext cx="2371206" cy="2377931"/>
-          </a:xfrm>
-          <a:prstGeom prst="line">
-            <a:avLst/>
-          </a:prstGeom>
-          <a:ln>
-            <a:solidFill>
-              <a:schemeClr val="accent2">
-                <a:lumMod val="40000"/>
-                <a:lumOff val="60000"/>
-              </a:schemeClr>
-            </a:solidFill>
-          </a:ln>
-        </p:spPr>
-        <p:style>
-          <a:lnRef idx="1">
-            <a:schemeClr val="accent1"/>
-          </a:lnRef>
-          <a:fillRef idx="0">
-            <a:schemeClr val="accent1"/>
-          </a:fillRef>
-          <a:effectRef idx="0">
-            <a:schemeClr val="accent1"/>
-          </a:effectRef>
-          <a:fontRef idx="minor">
-            <a:schemeClr val="tx1"/>
-          </a:fontRef>
-        </p:style>
-      </p:cxnSp>
-      <p:cxnSp>
-        <p:nvCxnSpPr>
-          <p:cNvPr id="109" name="Conector reto 108">
-            <a:extLst>
-              <a:ext uri="{FF2B5EF4-FFF2-40B4-BE49-F238E27FC236}">
-                <a16:creationId xmlns:a16="http://schemas.microsoft.com/office/drawing/2014/main" id="{663BF144-67C3-425A-916B-3044B3F86B35}"/>
-              </a:ext>
-            </a:extLst>
-          </p:cNvPr>
-          <p:cNvCxnSpPr>
-            <a:cxnSpLocks/>
-          </p:cNvCxnSpPr>
-          <p:nvPr/>
-        </p:nvCxnSpPr>
-        <p:spPr>
-          <a:xfrm flipH="1">
-            <a:off x="6712947" y="2982383"/>
-            <a:ext cx="2488174" cy="2473343"/>
-          </a:xfrm>
-          <a:prstGeom prst="line">
-            <a:avLst/>
-          </a:prstGeom>
-          <a:ln>
-            <a:solidFill>
-              <a:schemeClr val="accent2">
-                <a:lumMod val="40000"/>
-                <a:lumOff val="60000"/>
-              </a:schemeClr>
-            </a:solidFill>
-          </a:ln>
-        </p:spPr>
-        <p:style>
-          <a:lnRef idx="1">
-            <a:schemeClr val="accent1"/>
-          </a:lnRef>
-          <a:fillRef idx="0">
-            <a:schemeClr val="accent1"/>
-          </a:fillRef>
-          <a:effectRef idx="0">
-            <a:schemeClr val="accent1"/>
-          </a:effectRef>
-          <a:fontRef idx="minor">
-            <a:schemeClr val="tx1"/>
-          </a:fontRef>
-        </p:style>
-      </p:cxnSp>
-      <p:cxnSp>
-        <p:nvCxnSpPr>
-          <p:cNvPr id="115" name="Conector reto 114">
-            <a:extLst>
-              <a:ext uri="{FF2B5EF4-FFF2-40B4-BE49-F238E27FC236}">
-                <a16:creationId xmlns:a16="http://schemas.microsoft.com/office/drawing/2014/main" id="{F4DEC124-A9AE-44B4-8FFC-B37487D22477}"/>
-              </a:ext>
-            </a:extLst>
-          </p:cNvPr>
-          <p:cNvCxnSpPr>
-            <a:cxnSpLocks/>
-          </p:cNvCxnSpPr>
-          <p:nvPr/>
-        </p:nvCxnSpPr>
-        <p:spPr>
-          <a:xfrm>
-            <a:off x="6414236" y="5422536"/>
-            <a:ext cx="204475" cy="616819"/>
-          </a:xfrm>
-          <a:prstGeom prst="line">
-            <a:avLst/>
-          </a:prstGeom>
-          <a:ln w="76200">
-            <a:solidFill>
-              <a:schemeClr val="accent2">
-                <a:lumMod val="40000"/>
-                <a:lumOff val="60000"/>
-              </a:schemeClr>
-            </a:solidFill>
-          </a:ln>
-        </p:spPr>
-        <p:style>
-          <a:lnRef idx="1">
-            <a:schemeClr val="accent1"/>
-          </a:lnRef>
-          <a:fillRef idx="0">
-            <a:schemeClr val="accent1"/>
-          </a:fillRef>
-          <a:effectRef idx="0">
-            <a:schemeClr val="accent1"/>
-          </a:effectRef>
-          <a:fontRef idx="minor">
-            <a:schemeClr val="tx1"/>
-          </a:fontRef>
-        </p:style>
-      </p:cxnSp>
-      <p:sp>
-        <p:nvSpPr>
-          <p:cNvPr id="116" name="CaixaDeTexto 115">
-            <a:extLst>
-              <a:ext uri="{FF2B5EF4-FFF2-40B4-BE49-F238E27FC236}">
-                <a16:creationId xmlns:a16="http://schemas.microsoft.com/office/drawing/2014/main" id="{EF64BD43-B637-4031-BA51-9A42DB1C3C6F}"/>
-              </a:ext>
-            </a:extLst>
-          </p:cNvPr>
-          <p:cNvSpPr txBox="1"/>
-          <p:nvPr/>
-        </p:nvSpPr>
-        <p:spPr>
-          <a:xfrm>
-            <a:off x="6019851" y="6164340"/>
-            <a:ext cx="1242648" cy="369332"/>
-          </a:xfrm>
-          <a:prstGeom prst="rect">
-            <a:avLst/>
-          </a:prstGeom>
-          <a:noFill/>
-        </p:spPr>
-        <p:txBody>
-          <a:bodyPr wrap="none" rtlCol="0">
-            <a:spAutoFit/>
-          </a:bodyPr>
-          <a:lstStyle/>
-          <a:p>
-            <a:r>
-              <a:rPr lang="pt-BR" dirty="0"/>
-              <a:t>JP5 – 6 vias</a:t>
-            </a:r>
-          </a:p>
-        </p:txBody>
-      </p:sp>
-      <p:cxnSp>
-        <p:nvCxnSpPr>
-          <p:cNvPr id="117" name="Conector reto 116">
-            <a:extLst>
-              <a:ext uri="{FF2B5EF4-FFF2-40B4-BE49-F238E27FC236}">
-                <a16:creationId xmlns:a16="http://schemas.microsoft.com/office/drawing/2014/main" id="{D8376D69-7255-42B6-A2B4-63DA365A2E5F}"/>
-              </a:ext>
-            </a:extLst>
-          </p:cNvPr>
-          <p:cNvCxnSpPr>
-            <a:cxnSpLocks/>
-          </p:cNvCxnSpPr>
-          <p:nvPr/>
-        </p:nvCxnSpPr>
-        <p:spPr>
-          <a:xfrm>
-            <a:off x="4784138" y="5487806"/>
-            <a:ext cx="204475" cy="616819"/>
-          </a:xfrm>
-          <a:prstGeom prst="line">
-            <a:avLst/>
-          </a:prstGeom>
-          <a:ln w="76200">
-            <a:solidFill>
-              <a:srgbClr val="FFC000"/>
-            </a:solidFill>
-          </a:ln>
-        </p:spPr>
-        <p:style>
-          <a:lnRef idx="1">
-            <a:schemeClr val="accent1"/>
-          </a:lnRef>
-          <a:fillRef idx="0">
-            <a:schemeClr val="accent1"/>
-          </a:fillRef>
-          <a:effectRef idx="0">
-            <a:schemeClr val="accent1"/>
-          </a:effectRef>
-          <a:fontRef idx="minor">
-            <a:schemeClr val="tx1"/>
-          </a:fontRef>
-        </p:style>
-      </p:cxnSp>
-      <p:sp>
-        <p:nvSpPr>
-          <p:cNvPr id="118" name="CaixaDeTexto 117">
-            <a:extLst>
-              <a:ext uri="{FF2B5EF4-FFF2-40B4-BE49-F238E27FC236}">
-                <a16:creationId xmlns:a16="http://schemas.microsoft.com/office/drawing/2014/main" id="{CE34470B-708A-4968-B5A5-6FA0AF2371C0}"/>
-              </a:ext>
-            </a:extLst>
-          </p:cNvPr>
-          <p:cNvSpPr txBox="1"/>
-          <p:nvPr/>
-        </p:nvSpPr>
-        <p:spPr>
-          <a:xfrm>
-            <a:off x="4389753" y="6229610"/>
-            <a:ext cx="1242648" cy="369332"/>
-          </a:xfrm>
-          <a:prstGeom prst="rect">
-            <a:avLst/>
-          </a:prstGeom>
-          <a:noFill/>
-        </p:spPr>
-        <p:txBody>
-          <a:bodyPr wrap="none" rtlCol="0">
-            <a:spAutoFit/>
-          </a:bodyPr>
-          <a:lstStyle/>
-          <a:p>
-            <a:r>
-              <a:rPr lang="pt-BR" dirty="0"/>
-              <a:t>JP4 – 6 vias</a:t>
-            </a:r>
-          </a:p>
-        </p:txBody>
-      </p:sp>
-      <p:cxnSp>
-        <p:nvCxnSpPr>
-          <p:cNvPr id="119" name="Conector reto 118">
-            <a:extLst>
-              <a:ext uri="{FF2B5EF4-FFF2-40B4-BE49-F238E27FC236}">
-                <a16:creationId xmlns:a16="http://schemas.microsoft.com/office/drawing/2014/main" id="{B3CEE838-6639-48A3-AB6C-1F93F1E4A383}"/>
-              </a:ext>
-            </a:extLst>
-          </p:cNvPr>
-          <p:cNvCxnSpPr>
-            <a:cxnSpLocks/>
-            <a:endCxn id="120" idx="0"/>
-          </p:cNvCxnSpPr>
-          <p:nvPr/>
-        </p:nvCxnSpPr>
-        <p:spPr>
-          <a:xfrm flipH="1">
-            <a:off x="3005971" y="5487750"/>
-            <a:ext cx="414281" cy="729795"/>
-          </a:xfrm>
-          <a:prstGeom prst="line">
-            <a:avLst/>
-          </a:prstGeom>
-          <a:ln w="76200">
-            <a:solidFill>
-              <a:srgbClr val="7030A0"/>
-            </a:solidFill>
-          </a:ln>
-        </p:spPr>
-        <p:style>
-          <a:lnRef idx="1">
-            <a:schemeClr val="accent1"/>
-          </a:lnRef>
-          <a:fillRef idx="0">
-            <a:schemeClr val="accent1"/>
-          </a:fillRef>
-          <a:effectRef idx="0">
-            <a:schemeClr val="accent1"/>
-          </a:effectRef>
-          <a:fontRef idx="minor">
-            <a:schemeClr val="tx1"/>
-          </a:fontRef>
-        </p:style>
-      </p:cxnSp>
-      <p:sp>
-        <p:nvSpPr>
-          <p:cNvPr id="120" name="CaixaDeTexto 119">
-            <a:extLst>
-              <a:ext uri="{FF2B5EF4-FFF2-40B4-BE49-F238E27FC236}">
-                <a16:creationId xmlns:a16="http://schemas.microsoft.com/office/drawing/2014/main" id="{A9F1FCBB-D4BF-4E83-901F-97C5C23E3671}"/>
-              </a:ext>
-            </a:extLst>
-          </p:cNvPr>
-          <p:cNvSpPr txBox="1"/>
-          <p:nvPr/>
-        </p:nvSpPr>
-        <p:spPr>
-          <a:xfrm>
-            <a:off x="2479224" y="6217545"/>
-            <a:ext cx="1053494" cy="369332"/>
-          </a:xfrm>
-          <a:prstGeom prst="rect">
-            <a:avLst/>
-          </a:prstGeom>
-          <a:noFill/>
-        </p:spPr>
-        <p:txBody>
-          <a:bodyPr wrap="none" rtlCol="0">
-            <a:spAutoFit/>
-          </a:bodyPr>
-          <a:lstStyle/>
-          <a:p>
-            <a:r>
-              <a:rPr lang="pt-BR" dirty="0"/>
-              <a:t>X – 2 vias</a:t>
-            </a:r>
-          </a:p>
-        </p:txBody>
-      </p:sp>
-    </p:spTree>
-    <p:extLst>
-      <p:ext uri="{BB962C8B-B14F-4D97-AF65-F5344CB8AC3E}">
-        <p14:creationId xmlns:p14="http://schemas.microsoft.com/office/powerpoint/2010/main" val="19722537"/>
-      </p:ext>
-    </p:extLst>
-  </p:cSld>
-  <p:clrMapOvr>
-    <a:masterClrMapping/>
-  </p:clrMapOvr>
-</p:sld>
-</file>
-
-<file path=ppt/slides/slide2.xml><?xml version="1.0" encoding="utf-8"?>
-<p:sld xmlns:a="http://schemas.openxmlformats.org/drawingml/2006/main" xmlns:r="http://schemas.openxmlformats.org/officeDocument/2006/relationships" xmlns:p="http://schemas.openxmlformats.org/presentationml/2006/main">
-  <p:cSld>
-    <p:spTree>
-      <p:nvGrpSpPr>
-        <p:cNvPr id="1" name=""/>
-        <p:cNvGrpSpPr/>
-        <p:nvPr/>
-      </p:nvGrpSpPr>
-      <p:grpSpPr>
-        <a:xfrm>
-          <a:off x="0" y="0"/>
-          <a:ext cx="0" cy="0"/>
-          <a:chOff x="0" y="0"/>
-          <a:chExt cx="0" cy="0"/>
-        </a:xfrm>
-      </p:grpSpPr>
-      <p:grpSp>
-        <p:nvGrpSpPr>
-          <p:cNvPr id="39" name="Agrupar 38">
-            <a:extLst>
-              <a:ext uri="{FF2B5EF4-FFF2-40B4-BE49-F238E27FC236}">
-                <a16:creationId xmlns:a16="http://schemas.microsoft.com/office/drawing/2014/main" id="{544A2C0F-992A-498B-874D-7DF9F87956E7}"/>
-              </a:ext>
-            </a:extLst>
-          </p:cNvPr>
-          <p:cNvGrpSpPr/>
-          <p:nvPr/>
-        </p:nvGrpSpPr>
-        <p:grpSpPr>
-          <a:xfrm>
-            <a:off x="3277346" y="1412404"/>
-            <a:ext cx="8596304" cy="4318541"/>
-            <a:chOff x="2981741" y="346225"/>
-            <a:chExt cx="8596304" cy="4318541"/>
-          </a:xfrm>
-        </p:grpSpPr>
-        <p:grpSp>
-          <p:nvGrpSpPr>
-            <p:cNvPr id="4" name="Agrupar 3">
-              <a:extLst>
-                <a:ext uri="{FF2B5EF4-FFF2-40B4-BE49-F238E27FC236}">
-                  <a16:creationId xmlns:a16="http://schemas.microsoft.com/office/drawing/2014/main" id="{A8D791B3-5D0C-4F2C-BA6B-4D5B2FD13C53}"/>
-                </a:ext>
-              </a:extLst>
-            </p:cNvPr>
-            <p:cNvGrpSpPr/>
-            <p:nvPr/>
-          </p:nvGrpSpPr>
-          <p:grpSpPr>
-            <a:xfrm rot="5400000">
-              <a:off x="5120622" y="-1792656"/>
-              <a:ext cx="4318541" cy="8596304"/>
-              <a:chOff x="321570" y="391353"/>
-              <a:chExt cx="3105967" cy="6075293"/>
-            </a:xfrm>
-          </p:grpSpPr>
-          <p:pic>
-            <p:nvPicPr>
-              <p:cNvPr id="5" name="Imagem 4" descr="Uma imagem contendo circuito, equipamentos eletrônicos&#10;&#10;Descrição gerada com muito alta confiança">
-                <a:extLst>
-                  <a:ext uri="{FF2B5EF4-FFF2-40B4-BE49-F238E27FC236}">
-                    <a16:creationId xmlns:a16="http://schemas.microsoft.com/office/drawing/2014/main" id="{7C3AA95A-A54C-40A2-83F4-E1618306F507}"/>
-                  </a:ext>
-                </a:extLst>
-              </p:cNvPr>
-              <p:cNvPicPr>
-                <a:picLocks noChangeAspect="1"/>
-              </p:cNvPicPr>
-              <p:nvPr/>
-            </p:nvPicPr>
-            <p:blipFill>
-              <a:blip r:embed="rId2">
-                <a:extLst>
-                  <a:ext uri="{28A0092B-C50C-407E-A947-70E740481C1C}">
-                    <a14:useLocalDpi xmlns:a14="http://schemas.microsoft.com/office/drawing/2010/main" val="0"/>
-                  </a:ext>
-                </a:extLst>
-              </a:blip>
-              <a:stretch>
-                <a:fillRect/>
-              </a:stretch>
-            </p:blipFill>
-            <p:spPr>
-              <a:xfrm rot="5400000">
-                <a:off x="-1163093" y="1876016"/>
-                <a:ext cx="6075293" cy="3105967"/>
-              </a:xfrm>
-              <a:prstGeom prst="rect">
-                <a:avLst/>
-              </a:prstGeom>
-            </p:spPr>
-          </p:pic>
-          <p:pic>
-            <p:nvPicPr>
-              <p:cNvPr id="7" name="Imagem 6">
-                <a:extLst>
-                  <a:ext uri="{FF2B5EF4-FFF2-40B4-BE49-F238E27FC236}">
-                    <a16:creationId xmlns:a16="http://schemas.microsoft.com/office/drawing/2014/main" id="{20AE5508-4DA5-4BCF-9590-288B4E96C521}"/>
-                  </a:ext>
-                </a:extLst>
-              </p:cNvPr>
-              <p:cNvPicPr>
-                <a:picLocks noChangeAspect="1"/>
-              </p:cNvPicPr>
-              <p:nvPr/>
-            </p:nvPicPr>
-            <p:blipFill>
-              <a:blip r:embed="rId3"/>
-              <a:stretch>
-                <a:fillRect/>
-              </a:stretch>
-            </p:blipFill>
-            <p:spPr>
-              <a:xfrm rot="16200000">
-                <a:off x="896828" y="2392635"/>
-                <a:ext cx="1354643" cy="692046"/>
-              </a:xfrm>
-              <a:prstGeom prst="rect">
-                <a:avLst/>
-              </a:prstGeom>
-            </p:spPr>
-          </p:pic>
-        </p:grpSp>
-        <p:sp>
-          <p:nvSpPr>
-            <p:cNvPr id="37" name="CaixaDeTexto 36">
-              <a:extLst>
-                <a:ext uri="{FF2B5EF4-FFF2-40B4-BE49-F238E27FC236}">
-                  <a16:creationId xmlns:a16="http://schemas.microsoft.com/office/drawing/2014/main" id="{8C69C8A8-E1F0-4CBF-8C55-F33A830941BD}"/>
-                </a:ext>
-              </a:extLst>
-            </p:cNvPr>
-            <p:cNvSpPr txBox="1"/>
-            <p:nvPr/>
-          </p:nvSpPr>
-          <p:spPr>
-            <a:xfrm rot="5400000">
-              <a:off x="9118800" y="3865302"/>
-              <a:ext cx="562783" cy="369332"/>
-            </a:xfrm>
-            <a:prstGeom prst="rect">
-              <a:avLst/>
-            </a:prstGeom>
-            <a:noFill/>
-          </p:spPr>
-          <p:txBody>
-            <a:bodyPr wrap="none" rtlCol="0">
-              <a:spAutoFit/>
-            </a:bodyPr>
-            <a:lstStyle/>
-            <a:p>
-              <a:r>
-                <a:rPr lang="pt-BR" dirty="0">
-                  <a:solidFill>
-                    <a:schemeClr val="bg1"/>
-                  </a:solidFill>
-                </a:rPr>
-                <a:t>SDA</a:t>
-              </a:r>
-            </a:p>
-          </p:txBody>
-        </p:sp>
-        <p:sp>
-          <p:nvSpPr>
-            <p:cNvPr id="38" name="CaixaDeTexto 37">
-              <a:extLst>
-                <a:ext uri="{FF2B5EF4-FFF2-40B4-BE49-F238E27FC236}">
-                  <a16:creationId xmlns:a16="http://schemas.microsoft.com/office/drawing/2014/main" id="{EBAE60A6-E78B-4A94-BDF6-C7F23080BE0E}"/>
-                </a:ext>
-              </a:extLst>
-            </p:cNvPr>
-            <p:cNvSpPr txBox="1"/>
-            <p:nvPr/>
-          </p:nvSpPr>
-          <p:spPr>
-            <a:xfrm rot="5400000">
-              <a:off x="9416293" y="3858727"/>
-              <a:ext cx="511679" cy="369332"/>
-            </a:xfrm>
-            <a:prstGeom prst="rect">
-              <a:avLst/>
-            </a:prstGeom>
-            <a:noFill/>
-          </p:spPr>
-          <p:txBody>
-            <a:bodyPr wrap="none" rtlCol="0">
-              <a:spAutoFit/>
-            </a:bodyPr>
-            <a:lstStyle/>
-            <a:p>
-              <a:r>
-                <a:rPr lang="pt-BR" dirty="0">
-                  <a:solidFill>
-                    <a:schemeClr val="bg1"/>
-                  </a:solidFill>
-                </a:rPr>
-                <a:t>SCL</a:t>
-              </a:r>
-            </a:p>
-          </p:txBody>
-        </p:sp>
-      </p:grpSp>
-      <p:sp>
-        <p:nvSpPr>
-          <p:cNvPr id="8" name="Retângulo 7">
-            <a:extLst>
-              <a:ext uri="{FF2B5EF4-FFF2-40B4-BE49-F238E27FC236}">
-                <a16:creationId xmlns:a16="http://schemas.microsoft.com/office/drawing/2014/main" id="{96FF7C17-4564-449C-8000-88C0123B77C3}"/>
-              </a:ext>
-            </a:extLst>
-          </p:cNvPr>
-          <p:cNvSpPr/>
-          <p:nvPr/>
-        </p:nvSpPr>
-        <p:spPr>
-          <a:xfrm>
             <a:off x="6657433" y="483490"/>
             <a:ext cx="1558916" cy="335879"/>
           </a:xfrm>
@@ -7404,6 +7422,45 @@
           </a:fontRef>
         </p:style>
       </p:cxnSp>
+      <p:sp>
+        <p:nvSpPr>
+          <p:cNvPr id="2" name="CaixaDeTexto 1">
+            <a:extLst>
+              <a:ext uri="{FF2B5EF4-FFF2-40B4-BE49-F238E27FC236}">
+                <a16:creationId xmlns:a16="http://schemas.microsoft.com/office/drawing/2014/main" id="{823A363C-7886-4303-820C-2C89127F92F5}"/>
+              </a:ext>
+            </a:extLst>
+          </p:cNvPr>
+          <p:cNvSpPr txBox="1"/>
+          <p:nvPr/>
+        </p:nvSpPr>
+        <p:spPr>
+          <a:xfrm>
+            <a:off x="9481385" y="3290196"/>
+            <a:ext cx="301686" cy="369332"/>
+          </a:xfrm>
+          <a:prstGeom prst="rect">
+            <a:avLst/>
+          </a:prstGeom>
+          <a:noFill/>
+        </p:spPr>
+        <p:txBody>
+          <a:bodyPr wrap="none" rtlCol="0">
+            <a:spAutoFit/>
+          </a:bodyPr>
+          <a:lstStyle/>
+          <a:p>
+            <a:r>
+              <a:rPr lang="pt-BR" dirty="0">
+                <a:solidFill>
+                  <a:schemeClr val="bg1"/>
+                </a:solidFill>
+              </a:rPr>
+              <a:t>1</a:t>
+            </a:r>
+          </a:p>
+        </p:txBody>
+      </p:sp>
     </p:spTree>
     <p:extLst>
       <p:ext uri="{BB962C8B-B14F-4D97-AF65-F5344CB8AC3E}">
@@ -10161,7 +10218,7 @@
           </a:stretch>
         </p:blipFill>
         <p:spPr>
-          <a:xfrm rot="16200000">
+          <a:xfrm rot="5400000">
             <a:off x="896828" y="2392635"/>
             <a:ext cx="1354643" cy="692046"/>
           </a:xfrm>
@@ -10262,7 +10319,7 @@
         </p:nvSpPr>
         <p:spPr>
           <a:xfrm rot="16200000">
-            <a:off x="1706672" y="2240482"/>
+            <a:off x="1586833" y="1809016"/>
             <a:ext cx="301686" cy="369332"/>
           </a:xfrm>
           <a:prstGeom prst="rect">
